--- a/인공지능을 통한 주가예측.pptx
+++ b/인공지능을 통한 주가예측.pptx
@@ -9,9 +9,10 @@
     <p:sldId id="257" r:id="rId3"/>
     <p:sldId id="260" r:id="rId4"/>
     <p:sldId id="258" r:id="rId5"/>
-    <p:sldId id="259" r:id="rId6"/>
+    <p:sldId id="263" r:id="rId6"/>
     <p:sldId id="261" r:id="rId7"/>
-    <p:sldId id="262" r:id="rId8"/>
+    <p:sldId id="259" r:id="rId8"/>
+    <p:sldId id="262" r:id="rId9"/>
   </p:sldIdLst>
   <p:sldSz cx="12192000" cy="6858000"/>
   <p:notesSz cx="6858000" cy="9144000"/>
@@ -3519,7 +3520,7 @@
         </p:nvSpPr>
         <p:spPr>
           <a:xfrm>
-            <a:off x="559724" y="257839"/>
+            <a:off x="559724" y="322007"/>
             <a:ext cx="6156959" cy="689812"/>
           </a:xfrm>
         </p:spPr>
@@ -3532,17 +3533,71 @@
             <a:pPr algn="l"/>
             <a:r>
               <a:rPr lang="ko-KR" altLang="en-US" sz="3600" dirty="0" smtClean="0"/>
-              <a:t>데이터 모델링 후 결과 </a:t>
+              <a:t>인공지능 모델 및 학습</a:t>
             </a:r>
             <a:endParaRPr lang="ko-KR" altLang="en-US" sz="3600" dirty="0"/>
+          </a:p>
+        </p:txBody>
+      </p:sp>
+      <p:sp>
+        <p:nvSpPr>
+          <p:cNvPr id="3" name="TextBox 2"/>
+          <p:cNvSpPr txBox="1"/>
+          <p:nvPr/>
+        </p:nvSpPr>
+        <p:spPr>
+          <a:xfrm>
+            <a:off x="653353" y="1262954"/>
+            <a:ext cx="5001490" cy="369332"/>
+          </a:xfrm>
+          <a:prstGeom prst="rect">
+            <a:avLst/>
+          </a:prstGeom>
+          <a:noFill/>
+        </p:spPr>
+        <p:txBody>
+          <a:bodyPr wrap="square" rtlCol="0">
+            <a:spAutoFit/>
+          </a:bodyPr>
+          <a:lstStyle/>
+          <a:p>
+            <a:r>
+              <a:rPr lang="en-US" altLang="ko-KR" dirty="0">
+                <a:solidFill>
+                  <a:prstClr val="black"/>
+                </a:solidFill>
+              </a:rPr>
+              <a:t>Long Short-Term Memory (LSTM</a:t>
+            </a:r>
+            <a:r>
+              <a:rPr lang="en-US" altLang="ko-KR" dirty="0" smtClean="0">
+                <a:solidFill>
+                  <a:prstClr val="black"/>
+                </a:solidFill>
+              </a:rPr>
+              <a:t>) </a:t>
+            </a:r>
+            <a:r>
+              <a:rPr lang="ko-KR" altLang="en-US" dirty="0" smtClean="0">
+                <a:solidFill>
+                  <a:prstClr val="black"/>
+                </a:solidFill>
+              </a:rPr>
+              <a:t>모델 이용</a:t>
+            </a:r>
+            <a:endParaRPr lang="en-US" altLang="ko-KR" dirty="0" smtClean="0">
+              <a:solidFill>
+                <a:prstClr val="black"/>
+              </a:solidFill>
+            </a:endParaRPr>
           </a:p>
         </p:txBody>
       </p:sp>
       <p:pic>
         <p:nvPicPr>
-          <p:cNvPr id="2" name="그림 1"/>
+          <p:cNvPr id="1026" name="Picture 2" descr="C:\Users\KOSTA\Downloads\kospi 확인.png"/>
           <p:cNvPicPr>
-            <a:picLocks noChangeAspect="1"/>
+            <a:picLocks noChangeAspect="1" noChangeArrowheads="1"/>
           </p:cNvPicPr>
           <p:nvPr/>
         </p:nvPicPr>
@@ -3554,24 +3609,124 @@
               </a:ext>
             </a:extLst>
           </a:blip>
+          <a:srcRect/>
           <a:stretch>
             <a:fillRect/>
           </a:stretch>
         </p:blipFill>
-        <p:spPr>
-          <a:xfrm>
-            <a:off x="559723" y="1471353"/>
-            <a:ext cx="6497781" cy="4785901"/>
+        <p:spPr bwMode="auto">
+          <a:xfrm>
+            <a:off x="653352" y="1863117"/>
+            <a:ext cx="5225465" cy="3811246"/>
           </a:xfrm>
           <a:prstGeom prst="rect">
             <a:avLst/>
           </a:prstGeom>
+          <a:noFill/>
+          <a:extLst>
+            <a:ext uri="{909E8E84-426E-40DD-AFC4-6F175D3DCCD1}">
+              <a14:hiddenFill xmlns:a14="http://schemas.microsoft.com/office/drawing/2010/main">
+                <a:solidFill>
+                  <a:srgbClr val="FFFFFF"/>
+                </a:solidFill>
+              </a14:hiddenFill>
+            </a:ext>
+          </a:extLst>
         </p:spPr>
       </p:pic>
+      <p:sp>
+        <p:nvSpPr>
+          <p:cNvPr id="7" name="TextBox 6"/>
+          <p:cNvSpPr txBox="1"/>
+          <p:nvPr/>
+        </p:nvSpPr>
+        <p:spPr>
+          <a:xfrm>
+            <a:off x="6131732" y="2129228"/>
+            <a:ext cx="5001490" cy="369332"/>
+          </a:xfrm>
+          <a:prstGeom prst="rect">
+            <a:avLst/>
+          </a:prstGeom>
+          <a:noFill/>
+        </p:spPr>
+        <p:txBody>
+          <a:bodyPr wrap="square" rtlCol="0">
+            <a:spAutoFit/>
+          </a:bodyPr>
+          <a:lstStyle/>
+          <a:p>
+            <a:r>
+              <a:rPr lang="en-US" altLang="ko-KR" dirty="0" err="1" smtClean="0">
+                <a:solidFill>
+                  <a:prstClr val="black"/>
+                </a:solidFill>
+              </a:rPr>
+              <a:t>Kospi</a:t>
+            </a:r>
+            <a:r>
+              <a:rPr lang="en-US" altLang="ko-KR" dirty="0" smtClean="0">
+                <a:solidFill>
+                  <a:prstClr val="black"/>
+                </a:solidFill>
+              </a:rPr>
+              <a:t> </a:t>
+            </a:r>
+            <a:r>
+              <a:rPr lang="ko-KR" altLang="en-US" dirty="0" smtClean="0">
+                <a:solidFill>
+                  <a:prstClr val="black"/>
+                </a:solidFill>
+              </a:rPr>
+              <a:t>주가예측 </a:t>
+            </a:r>
+            <a:r>
+              <a:rPr lang="en-US" altLang="ko-KR" dirty="0" smtClean="0">
+                <a:solidFill>
+                  <a:prstClr val="black"/>
+                </a:solidFill>
+              </a:rPr>
+              <a:t>(train – </a:t>
+            </a:r>
+            <a:r>
+              <a:rPr lang="en-US" altLang="ko-KR" dirty="0" err="1" smtClean="0">
+                <a:solidFill>
+                  <a:prstClr val="black"/>
+                </a:solidFill>
+              </a:rPr>
+              <a:t>kospi</a:t>
+            </a:r>
+            <a:r>
+              <a:rPr lang="en-US" altLang="ko-KR" dirty="0" smtClean="0">
+                <a:solidFill>
+                  <a:prstClr val="black"/>
+                </a:solidFill>
+              </a:rPr>
+              <a:t>, test –</a:t>
+            </a:r>
+            <a:r>
+              <a:rPr lang="en-US" altLang="ko-KR" dirty="0" err="1" smtClean="0">
+                <a:solidFill>
+                  <a:prstClr val="black"/>
+                </a:solidFill>
+              </a:rPr>
+              <a:t>kospi</a:t>
+            </a:r>
+            <a:r>
+              <a:rPr lang="en-US" altLang="ko-KR" dirty="0" smtClean="0">
+                <a:solidFill>
+                  <a:prstClr val="black"/>
+                </a:solidFill>
+              </a:rPr>
+              <a:t>)</a:t>
+            </a:r>
+          </a:p>
+        </p:txBody>
+      </p:sp>
     </p:spTree>
     <p:extLst>
       <p:ext uri="{BB962C8B-B14F-4D97-AF65-F5344CB8AC3E}">
-        <p14:creationId xmlns:p14="http://schemas.microsoft.com/office/powerpoint/2010/main" val="1099516764"/>
+        <p14:creationId xmlns:p14="http://schemas.microsoft.com/office/powerpoint/2010/main" val="242043776"/>
       </p:ext>
     </p:extLst>
   </p:cSld>
@@ -3637,36 +3792,6 @@
           </a:p>
         </p:txBody>
       </p:sp>
-      <p:sp>
-        <p:nvSpPr>
-          <p:cNvPr id="10" name="TextBox 9"/>
-          <p:cNvSpPr txBox="1"/>
-          <p:nvPr/>
-        </p:nvSpPr>
-        <p:spPr>
-          <a:xfrm>
-            <a:off x="6292734" y="2560319"/>
-            <a:ext cx="5128953" cy="369332"/>
-          </a:xfrm>
-          <a:prstGeom prst="rect">
-            <a:avLst/>
-          </a:prstGeom>
-          <a:noFill/>
-        </p:spPr>
-        <p:txBody>
-          <a:bodyPr wrap="square" rtlCol="0">
-            <a:spAutoFit/>
-          </a:bodyPr>
-          <a:lstStyle/>
-          <a:p>
-            <a:r>
-              <a:rPr lang="ko-KR" altLang="en-US" dirty="0" smtClean="0"/>
-              <a:t>학습 데이터의 문제</a:t>
-            </a:r>
-            <a:endParaRPr lang="ko-KR" altLang="en-US" dirty="0"/>
-          </a:p>
-        </p:txBody>
-      </p:sp>
       <p:pic>
         <p:nvPicPr>
           <p:cNvPr id="3" name="그림 2"/>
@@ -3697,6 +3822,113 @@
           </a:prstGeom>
         </p:spPr>
       </p:pic>
+      <p:sp>
+        <p:nvSpPr>
+          <p:cNvPr id="5" name="TextBox 4"/>
+          <p:cNvSpPr txBox="1"/>
+          <p:nvPr/>
+        </p:nvSpPr>
+        <p:spPr>
+          <a:xfrm>
+            <a:off x="6019437" y="2267727"/>
+            <a:ext cx="5001490" cy="646331"/>
+          </a:xfrm>
+          <a:prstGeom prst="rect">
+            <a:avLst/>
+          </a:prstGeom>
+          <a:noFill/>
+        </p:spPr>
+        <p:txBody>
+          <a:bodyPr wrap="square" rtlCol="0">
+            <a:spAutoFit/>
+          </a:bodyPr>
+          <a:lstStyle/>
+          <a:p>
+            <a:r>
+              <a:rPr lang="ko-KR" altLang="en-US" dirty="0" smtClean="0">
+                <a:solidFill>
+                  <a:prstClr val="black"/>
+                </a:solidFill>
+              </a:rPr>
+              <a:t>삼성전</a:t>
+            </a:r>
+            <a:r>
+              <a:rPr lang="ko-KR" altLang="en-US" dirty="0">
+                <a:solidFill>
+                  <a:prstClr val="black"/>
+                </a:solidFill>
+              </a:rPr>
+              <a:t>자</a:t>
+            </a:r>
+            <a:r>
+              <a:rPr lang="en-US" altLang="ko-KR" dirty="0" smtClean="0">
+                <a:solidFill>
+                  <a:prstClr val="black"/>
+                </a:solidFill>
+              </a:rPr>
+              <a:t> </a:t>
+            </a:r>
+            <a:r>
+              <a:rPr lang="ko-KR" altLang="en-US" dirty="0" smtClean="0">
+                <a:solidFill>
+                  <a:prstClr val="black"/>
+                </a:solidFill>
+              </a:rPr>
+              <a:t>주가예측 </a:t>
+            </a:r>
+            <a:r>
+              <a:rPr lang="en-US" altLang="ko-KR" dirty="0" smtClean="0">
+                <a:solidFill>
+                  <a:prstClr val="black"/>
+                </a:solidFill>
+              </a:rPr>
+              <a:t>-</a:t>
+            </a:r>
+          </a:p>
+          <a:p>
+            <a:r>
+              <a:rPr lang="en-US" altLang="ko-KR" dirty="0" smtClean="0">
+                <a:solidFill>
+                  <a:prstClr val="black"/>
+                </a:solidFill>
+              </a:rPr>
+              <a:t>(train – </a:t>
+            </a:r>
+            <a:r>
+              <a:rPr lang="en-US" altLang="ko-KR" dirty="0" err="1" smtClean="0">
+                <a:solidFill>
+                  <a:prstClr val="black"/>
+                </a:solidFill>
+              </a:rPr>
+              <a:t>kospi</a:t>
+            </a:r>
+            <a:r>
+              <a:rPr lang="en-US" altLang="ko-KR" dirty="0" smtClean="0">
+                <a:solidFill>
+                  <a:prstClr val="black"/>
+                </a:solidFill>
+              </a:rPr>
+              <a:t>, test –</a:t>
+            </a:r>
+            <a:r>
+              <a:rPr lang="ko-KR" altLang="en-US" dirty="0" smtClean="0">
+                <a:solidFill>
+                  <a:prstClr val="black"/>
+                </a:solidFill>
+              </a:rPr>
+              <a:t>삼성전자</a:t>
+            </a:r>
+            <a:r>
+              <a:rPr lang="en-US" altLang="ko-KR" dirty="0" smtClean="0">
+                <a:solidFill>
+                  <a:prstClr val="black"/>
+                </a:solidFill>
+              </a:rPr>
+              <a:t>)</a:t>
+            </a:r>
+          </a:p>
+        </p:txBody>
+      </p:sp>
     </p:spTree>
     <p:extLst>
       <p:ext uri="{BB962C8B-B14F-4D97-AF65-F5344CB8AC3E}">
@@ -3711,6 +3943,215 @@
 </file>
 
 <file path=ppt/slides/slide7.xml><?xml version="1.0" encoding="utf-8"?>
+<p:sld xmlns:a="http://schemas.openxmlformats.org/drawingml/2006/main" xmlns:r="http://schemas.openxmlformats.org/officeDocument/2006/relationships" xmlns:p="http://schemas.openxmlformats.org/presentationml/2006/main">
+  <p:cSld>
+    <p:spTree>
+      <p:nvGrpSpPr>
+        <p:cNvPr id="1" name=""/>
+        <p:cNvGrpSpPr/>
+        <p:nvPr/>
+      </p:nvGrpSpPr>
+      <p:grpSpPr>
+        <a:xfrm>
+          <a:off x="0" y="0"/>
+          <a:ext cx="0" cy="0"/>
+          <a:chOff x="0" y="0"/>
+          <a:chExt cx="0" cy="0"/>
+        </a:xfrm>
+      </p:grpSpPr>
+      <p:sp>
+        <p:nvSpPr>
+          <p:cNvPr id="6" name="제목 1"/>
+          <p:cNvSpPr>
+            <a:spLocks noGrp="1"/>
+          </p:cNvSpPr>
+          <p:nvPr>
+            <p:ph type="ctrTitle"/>
+          </p:nvPr>
+        </p:nvSpPr>
+        <p:spPr>
+          <a:xfrm>
+            <a:off x="559724" y="257839"/>
+            <a:ext cx="6156959" cy="689812"/>
+          </a:xfrm>
+        </p:spPr>
+        <p:txBody>
+          <a:bodyPr>
+            <a:noAutofit/>
+          </a:bodyPr>
+          <a:lstStyle/>
+          <a:p>
+            <a:pPr algn="l"/>
+            <a:r>
+              <a:rPr lang="ko-KR" altLang="en-US" sz="3600" dirty="0" smtClean="0"/>
+              <a:t>데이터 모델링 후 결과 </a:t>
+            </a:r>
+            <a:endParaRPr lang="ko-KR" altLang="en-US" sz="3600" dirty="0"/>
+          </a:p>
+        </p:txBody>
+      </p:sp>
+      <p:pic>
+        <p:nvPicPr>
+          <p:cNvPr id="2050" name="Picture 2" descr="C:\Users\KOSTA\Downloads\kospi 주가.png"/>
+          <p:cNvPicPr>
+            <a:picLocks noChangeAspect="1" noChangeArrowheads="1"/>
+          </p:cNvPicPr>
+          <p:nvPr/>
+        </p:nvPicPr>
+        <p:blipFill>
+          <a:blip r:embed="rId2">
+            <a:extLst>
+              <a:ext uri="{28A0092B-C50C-407E-A947-70E740481C1C}">
+                <a14:useLocalDpi xmlns:a14="http://schemas.microsoft.com/office/drawing/2010/main" val="0"/>
+              </a:ext>
+            </a:extLst>
+          </a:blip>
+          <a:srcRect/>
+          <a:stretch>
+            <a:fillRect/>
+          </a:stretch>
+        </p:blipFill>
+        <p:spPr bwMode="auto">
+          <a:xfrm>
+            <a:off x="529473" y="1443789"/>
+            <a:ext cx="6313374" cy="4650372"/>
+          </a:xfrm>
+          <a:prstGeom prst="rect">
+            <a:avLst/>
+          </a:prstGeom>
+          <a:noFill/>
+          <a:extLst>
+            <a:ext uri="{909E8E84-426E-40DD-AFC4-6F175D3DCCD1}">
+              <a14:hiddenFill xmlns:a14="http://schemas.microsoft.com/office/drawing/2010/main">
+                <a:solidFill>
+                  <a:srgbClr val="FFFFFF"/>
+                </a:solidFill>
+              </a14:hiddenFill>
+            </a:ext>
+          </a:extLst>
+        </p:spPr>
+      </p:pic>
+      <p:sp>
+        <p:nvSpPr>
+          <p:cNvPr id="5" name="TextBox 4"/>
+          <p:cNvSpPr txBox="1"/>
+          <p:nvPr/>
+        </p:nvSpPr>
+        <p:spPr>
+          <a:xfrm>
+            <a:off x="7262701" y="2449888"/>
+            <a:ext cx="5001490" cy="646331"/>
+          </a:xfrm>
+          <a:prstGeom prst="rect">
+            <a:avLst/>
+          </a:prstGeom>
+          <a:noFill/>
+        </p:spPr>
+        <p:txBody>
+          <a:bodyPr wrap="square" rtlCol="0">
+            <a:spAutoFit/>
+          </a:bodyPr>
+          <a:lstStyle/>
+          <a:p>
+            <a:r>
+              <a:rPr lang="ko-KR" altLang="en-US" dirty="0" smtClean="0">
+                <a:solidFill>
+                  <a:prstClr val="black"/>
+                </a:solidFill>
+              </a:rPr>
+              <a:t>삼성전</a:t>
+            </a:r>
+            <a:r>
+              <a:rPr lang="ko-KR" altLang="en-US" dirty="0">
+                <a:solidFill>
+                  <a:prstClr val="black"/>
+                </a:solidFill>
+              </a:rPr>
+              <a:t>자</a:t>
+            </a:r>
+            <a:r>
+              <a:rPr lang="en-US" altLang="ko-KR" dirty="0" smtClean="0">
+                <a:solidFill>
+                  <a:prstClr val="black"/>
+                </a:solidFill>
+              </a:rPr>
+              <a:t> </a:t>
+            </a:r>
+            <a:r>
+              <a:rPr lang="ko-KR" altLang="en-US" dirty="0" smtClean="0">
+                <a:solidFill>
+                  <a:prstClr val="black"/>
+                </a:solidFill>
+              </a:rPr>
+              <a:t>주가예측 </a:t>
+            </a:r>
+            <a:r>
+              <a:rPr lang="en-US" altLang="ko-KR" dirty="0" smtClean="0">
+                <a:solidFill>
+                  <a:prstClr val="black"/>
+                </a:solidFill>
+              </a:rPr>
+              <a:t>-</a:t>
+            </a:r>
+          </a:p>
+          <a:p>
+            <a:r>
+              <a:rPr lang="en-US" altLang="ko-KR" dirty="0" smtClean="0">
+                <a:solidFill>
+                  <a:prstClr val="black"/>
+                </a:solidFill>
+              </a:rPr>
+              <a:t>(train – </a:t>
+            </a:r>
+            <a:r>
+              <a:rPr lang="en-US" altLang="ko-KR" dirty="0" err="1" smtClean="0">
+                <a:solidFill>
+                  <a:prstClr val="black"/>
+                </a:solidFill>
+              </a:rPr>
+              <a:t>kospi</a:t>
+            </a:r>
+            <a:r>
+              <a:rPr lang="en-US" altLang="ko-KR" dirty="0" smtClean="0">
+                <a:solidFill>
+                  <a:prstClr val="black"/>
+                </a:solidFill>
+              </a:rPr>
+              <a:t>, test –</a:t>
+            </a:r>
+            <a:r>
+              <a:rPr lang="ko-KR" altLang="en-US" dirty="0" smtClean="0">
+                <a:solidFill>
+                  <a:prstClr val="black"/>
+                </a:solidFill>
+              </a:rPr>
+              <a:t>삼성전자</a:t>
+            </a:r>
+            <a:r>
+              <a:rPr lang="en-US" altLang="ko-KR" dirty="0" smtClean="0">
+                <a:solidFill>
+                  <a:prstClr val="black"/>
+                </a:solidFill>
+              </a:rPr>
+              <a:t>)</a:t>
+            </a:r>
+          </a:p>
+        </p:txBody>
+      </p:sp>
+    </p:spTree>
+    <p:extLst>
+      <p:ext uri="{BB962C8B-B14F-4D97-AF65-F5344CB8AC3E}">
+        <p14:creationId xmlns:p14="http://schemas.microsoft.com/office/powerpoint/2010/main" val="1099516764"/>
+      </p:ext>
+    </p:extLst>
+  </p:cSld>
+  <p:clrMapOvr>
+    <a:masterClrMapping/>
+  </p:clrMapOvr>
+</p:sld>
+</file>
+
+<file path=ppt/slides/slide8.xml><?xml version="1.0" encoding="utf-8"?>
 <p:sld xmlns:a="http://schemas.openxmlformats.org/drawingml/2006/main" xmlns:r="http://schemas.openxmlformats.org/officeDocument/2006/relationships" xmlns:p="http://schemas.openxmlformats.org/presentationml/2006/main">
   <p:cSld>
     <p:spTree>
@@ -4029,7 +4470,7 @@
   <a:extraClrSchemeLst/>
   <a:extLst>
     <a:ext uri="{05A4C25C-085E-4340-85A3-A5531E510DB2}">
-      <thm15:themeFamily xmlns:thm15="http://schemas.microsoft.com/office/thememl/2012/main" name="Office Theme" id="{62F939B6-93AF-4DB8-9C6B-D6C7DFDC589F}" vid="{4A3C46E8-61CC-4603-A589-7422A47A8E4A}"/>
+      <thm15:themeFamily xmlns:thm15="http://schemas.microsoft.com/office/thememl/2012/main" xmlns="" name="Office Theme" id="{62F939B6-93AF-4DB8-9C6B-D6C7DFDC589F}" vid="{4A3C46E8-61CC-4603-A589-7422A47A8E4A}"/>
     </a:ext>
   </a:extLst>
 </a:theme>

--- a/인공지능을 통한 주가예측.pptx
+++ b/인공지능을 통한 주가예측.pptx
@@ -8,11 +8,12 @@
     <p:sldId id="256" r:id="rId2"/>
     <p:sldId id="257" r:id="rId3"/>
     <p:sldId id="260" r:id="rId4"/>
-    <p:sldId id="258" r:id="rId5"/>
-    <p:sldId id="263" r:id="rId6"/>
-    <p:sldId id="261" r:id="rId7"/>
-    <p:sldId id="259" r:id="rId8"/>
-    <p:sldId id="262" r:id="rId9"/>
+    <p:sldId id="264" r:id="rId5"/>
+    <p:sldId id="258" r:id="rId6"/>
+    <p:sldId id="263" r:id="rId7"/>
+    <p:sldId id="261" r:id="rId8"/>
+    <p:sldId id="259" r:id="rId9"/>
+    <p:sldId id="262" r:id="rId10"/>
   </p:sldIdLst>
   <p:sldSz cx="12192000" cy="6858000"/>
   <p:notesSz cx="6858000" cy="9144000"/>
@@ -3369,51 +3370,46 @@
           </a:p>
         </p:txBody>
       </p:sp>
-      <p:sp>
-        <p:nvSpPr>
-          <p:cNvPr id="2" name="직사각형 1"/>
-          <p:cNvSpPr/>
+      <p:pic>
+        <p:nvPicPr>
+          <p:cNvPr id="5" name="그림 4"/>
+          <p:cNvPicPr>
+            <a:picLocks noChangeAspect="1"/>
+          </p:cNvPicPr>
           <p:nvPr/>
-        </p:nvSpPr>
-        <p:spPr>
-          <a:xfrm>
-            <a:off x="371301" y="3369439"/>
-            <a:ext cx="11396750" cy="1477328"/>
+        </p:nvPicPr>
+        <p:blipFill>
+          <a:blip r:embed="rId2">
+            <a:extLst>
+              <a:ext uri="{28A0092B-C50C-407E-A947-70E740481C1C}">
+                <a14:useLocalDpi xmlns:a14="http://schemas.microsoft.com/office/drawing/2010/main" val="0"/>
+              </a:ext>
+            </a:extLst>
+          </a:blip>
+          <a:stretch>
+            <a:fillRect/>
+          </a:stretch>
+        </p:blipFill>
+        <p:spPr>
+          <a:xfrm>
+            <a:off x="343154" y="1519479"/>
+            <a:ext cx="5680657" cy="4184053"/>
           </a:xfrm>
           <a:prstGeom prst="rect">
             <a:avLst/>
           </a:prstGeom>
         </p:spPr>
-        <p:txBody>
-          <a:bodyPr wrap="square">
-            <a:spAutoFit/>
-          </a:bodyPr>
-          <a:lstStyle/>
-          <a:p>
-            <a:r>
-              <a:rPr lang="en-US" altLang="ko-KR" b="0" i="0" dirty="0" smtClean="0">
-                <a:solidFill>
-                  <a:srgbClr val="212121"/>
-                </a:solidFill>
-                <a:effectLst/>
-                <a:latin typeface="Courier New" panose="02070309020205020404" pitchFamily="49" charset="0"/>
-              </a:rPr>
-              <a:t>array([[0.00889258, 0.00859504, 0.0087933 , 0.00165999, 0.00469957], [0.00864895, 0.00806818, 0.00848045, 0.00151612, 0.00537472], [0.00857143, 0.00817149, 0.00842458, 0.00138332, 0.00569662], ..., [0.66112957, 0.61983471, 0.66256983, 0.6525088 , 0.14620173], [0.64894795, 0.6177686 , 0.64916201, 0.64808216, 0.1936984 ], [0.65448505, 0.61466942, 0.65251397, 0.65029548, 0.13749703]])</a:t>
-            </a:r>
-            <a:endParaRPr lang="ko-KR" altLang="en-US" dirty="0"/>
-          </a:p>
-        </p:txBody>
-      </p:sp>
-      <p:sp>
-        <p:nvSpPr>
-          <p:cNvPr id="3" name="TextBox 2"/>
+      </p:pic>
+      <p:sp>
+        <p:nvSpPr>
+          <p:cNvPr id="8" name="TextBox 7"/>
           <p:cNvSpPr txBox="1"/>
           <p:nvPr/>
         </p:nvSpPr>
         <p:spPr>
           <a:xfrm>
-            <a:off x="789709" y="2161310"/>
-            <a:ext cx="7639396" cy="369332"/>
+            <a:off x="597206" y="1057874"/>
+            <a:ext cx="5001490" cy="369332"/>
           </a:xfrm>
           <a:prstGeom prst="rect">
             <a:avLst/>
@@ -3427,61 +3423,87 @@
           <a:lstStyle/>
           <a:p>
             <a:r>
-              <a:rPr lang="ko-KR" altLang="en-US" dirty="0" smtClean="0"/>
-              <a:t>데이터 </a:t>
-            </a:r>
-            <a:r>
-              <a:rPr lang="en-US" altLang="ko-KR" dirty="0" smtClean="0"/>
-              <a:t>(</a:t>
-            </a:r>
-            <a:r>
-              <a:rPr lang="ko-KR" altLang="en-US" dirty="0" smtClean="0"/>
-              <a:t>시초가</a:t>
-            </a:r>
-            <a:r>
-              <a:rPr lang="en-US" altLang="ko-KR" dirty="0" smtClean="0"/>
-              <a:t>,</a:t>
-            </a:r>
-            <a:r>
-              <a:rPr lang="ko-KR" altLang="en-US" dirty="0" smtClean="0"/>
-              <a:t>최고</a:t>
-            </a:r>
-            <a:r>
-              <a:rPr lang="en-US" altLang="ko-KR" dirty="0" smtClean="0"/>
-              <a:t>,</a:t>
-            </a:r>
-            <a:r>
-              <a:rPr lang="ko-KR" altLang="en-US" dirty="0" smtClean="0"/>
-              <a:t>최저</a:t>
-            </a:r>
-            <a:r>
-              <a:rPr lang="en-US" altLang="ko-KR" dirty="0" smtClean="0"/>
-              <a:t>,</a:t>
-            </a:r>
-            <a:r>
-              <a:rPr lang="ko-KR" altLang="en-US" dirty="0" smtClean="0"/>
-              <a:t>종가</a:t>
-            </a:r>
-            <a:r>
-              <a:rPr lang="en-US" altLang="ko-KR" dirty="0" smtClean="0"/>
-              <a:t>,</a:t>
-            </a:r>
-            <a:r>
-              <a:rPr lang="ko-KR" altLang="en-US" dirty="0" smtClean="0"/>
-              <a:t>거래량 순</a:t>
-            </a:r>
-            <a:r>
-              <a:rPr lang="en-US" altLang="ko-KR" dirty="0" smtClean="0"/>
-              <a:t>)</a:t>
-            </a:r>
-            <a:endParaRPr lang="ko-KR" altLang="en-US" dirty="0"/>
+              <a:rPr lang="en-US" altLang="ko-KR" dirty="0" smtClean="0">
+                <a:solidFill>
+                  <a:prstClr val="black"/>
+                </a:solidFill>
+              </a:rPr>
+              <a:t>RNN </a:t>
+            </a:r>
+            <a:r>
+              <a:rPr lang="ko-KR" altLang="en-US" dirty="0" smtClean="0">
+                <a:solidFill>
+                  <a:prstClr val="black"/>
+                </a:solidFill>
+              </a:rPr>
+              <a:t>모델 이용 </a:t>
+            </a:r>
+            <a:endParaRPr lang="en-US" altLang="ko-KR" dirty="0" smtClean="0">
+              <a:solidFill>
+                <a:prstClr val="black"/>
+              </a:solidFill>
+            </a:endParaRPr>
+          </a:p>
+        </p:txBody>
+      </p:sp>
+      <p:sp>
+        <p:nvSpPr>
+          <p:cNvPr id="9" name="TextBox 8"/>
+          <p:cNvSpPr txBox="1"/>
+          <p:nvPr/>
+        </p:nvSpPr>
+        <p:spPr>
+          <a:xfrm>
+            <a:off x="6211942" y="1594743"/>
+            <a:ext cx="5001490" cy="646331"/>
+          </a:xfrm>
+          <a:prstGeom prst="rect">
+            <a:avLst/>
+          </a:prstGeom>
+          <a:noFill/>
+        </p:spPr>
+        <p:txBody>
+          <a:bodyPr wrap="square" rtlCol="0">
+            <a:spAutoFit/>
+          </a:bodyPr>
+          <a:lstStyle/>
+          <a:p>
+            <a:r>
+              <a:rPr lang="en-US" altLang="ko-KR" dirty="0" err="1" smtClean="0">
+                <a:solidFill>
+                  <a:prstClr val="black"/>
+                </a:solidFill>
+              </a:rPr>
+              <a:t>Kospi</a:t>
+            </a:r>
+            <a:r>
+              <a:rPr lang="ko-KR" altLang="en-US" dirty="0" smtClean="0">
+                <a:solidFill>
+                  <a:prstClr val="black"/>
+                </a:solidFill>
+              </a:rPr>
+              <a:t>와  삼성전자의 지수 차이와 거래량의 차이로 인해 제대로 된 결과값 도출 </a:t>
+            </a:r>
+            <a:r>
+              <a:rPr lang="ko-KR" altLang="en-US" dirty="0" err="1" smtClean="0">
+                <a:solidFill>
+                  <a:prstClr val="black"/>
+                </a:solidFill>
+              </a:rPr>
+              <a:t>않됨</a:t>
+            </a:r>
+            <a:endParaRPr lang="en-US" altLang="ko-KR" dirty="0" smtClean="0">
+              <a:solidFill>
+                <a:prstClr val="black"/>
+              </a:solidFill>
+            </a:endParaRPr>
           </a:p>
         </p:txBody>
       </p:sp>
     </p:spTree>
     <p:extLst>
       <p:ext uri="{BB962C8B-B14F-4D97-AF65-F5344CB8AC3E}">
-        <p14:creationId xmlns:p14="http://schemas.microsoft.com/office/powerpoint/2010/main" val="201489154"/>
+        <p14:creationId xmlns:p14="http://schemas.microsoft.com/office/powerpoint/2010/main" val="1759275139"/>
       </p:ext>
     </p:extLst>
   </p:cSld>
@@ -3520,7 +3542,7 @@
         </p:nvSpPr>
         <p:spPr>
           <a:xfrm>
-            <a:off x="559724" y="322007"/>
+            <a:off x="559724" y="257839"/>
             <a:ext cx="6156959" cy="689812"/>
           </a:xfrm>
         </p:spPr>
@@ -3533,9 +3555,44 @@
             <a:pPr algn="l"/>
             <a:r>
               <a:rPr lang="ko-KR" altLang="en-US" sz="3600" dirty="0" smtClean="0"/>
-              <a:t>인공지능 모델 및 학습</a:t>
+              <a:t>데이터의 전처리 </a:t>
             </a:r>
             <a:endParaRPr lang="ko-KR" altLang="en-US" sz="3600" dirty="0"/>
+          </a:p>
+        </p:txBody>
+      </p:sp>
+      <p:sp>
+        <p:nvSpPr>
+          <p:cNvPr id="2" name="직사각형 1"/>
+          <p:cNvSpPr/>
+          <p:nvPr/>
+        </p:nvSpPr>
+        <p:spPr>
+          <a:xfrm>
+            <a:off x="371301" y="3369439"/>
+            <a:ext cx="11396750" cy="1477328"/>
+          </a:xfrm>
+          <a:prstGeom prst="rect">
+            <a:avLst/>
+          </a:prstGeom>
+        </p:spPr>
+        <p:txBody>
+          <a:bodyPr wrap="square">
+            <a:spAutoFit/>
+          </a:bodyPr>
+          <a:lstStyle/>
+          <a:p>
+            <a:r>
+              <a:rPr lang="en-US" altLang="ko-KR" b="0" i="0" dirty="0" smtClean="0">
+                <a:solidFill>
+                  <a:srgbClr val="212121"/>
+                </a:solidFill>
+                <a:effectLst/>
+                <a:latin typeface="Courier New" panose="02070309020205020404" pitchFamily="49" charset="0"/>
+              </a:rPr>
+              <a:t>array([[0.00889258, 0.00859504, 0.0087933 , 0.00165999, 0.00469957], [0.00864895, 0.00806818, 0.00848045, 0.00151612, 0.00537472], [0.00857143, 0.00817149, 0.00842458, 0.00138332, 0.00569662], ..., [0.66112957, 0.61983471, 0.66256983, 0.6525088 , 0.14620173], [0.64894795, 0.6177686 , 0.64916201, 0.64808216, 0.1936984 ], [0.65448505, 0.61466942, 0.65251397, 0.65029548, 0.13749703]])</a:t>
+            </a:r>
+            <a:endParaRPr lang="ko-KR" altLang="en-US" dirty="0"/>
           </a:p>
         </p:txBody>
       </p:sp>
@@ -3547,8 +3604,8 @@
         </p:nvSpPr>
         <p:spPr>
           <a:xfrm>
-            <a:off x="653353" y="1262954"/>
-            <a:ext cx="5001490" cy="369332"/>
+            <a:off x="789709" y="2161310"/>
+            <a:ext cx="7639396" cy="646331"/>
           </a:xfrm>
           <a:prstGeom prst="rect">
             <a:avLst/>
@@ -3562,171 +3619,75 @@
           <a:lstStyle/>
           <a:p>
             <a:r>
-              <a:rPr lang="en-US" altLang="ko-KR" dirty="0">
-                <a:solidFill>
-                  <a:prstClr val="black"/>
-                </a:solidFill>
-              </a:rPr>
-              <a:t>Long Short-Term Memory (LSTM</a:t>
-            </a:r>
-            <a:r>
-              <a:rPr lang="en-US" altLang="ko-KR" dirty="0" smtClean="0">
-                <a:solidFill>
-                  <a:prstClr val="black"/>
-                </a:solidFill>
-              </a:rPr>
+              <a:rPr lang="ko-KR" altLang="en-US" dirty="0" smtClean="0"/>
+              <a:t>데이터 </a:t>
+            </a:r>
+            <a:r>
+              <a:rPr lang="en-US" altLang="ko-KR" dirty="0" smtClean="0"/>
+              <a:t>(</a:t>
+            </a:r>
+            <a:r>
+              <a:rPr lang="ko-KR" altLang="en-US" dirty="0" smtClean="0"/>
+              <a:t>시초가</a:t>
+            </a:r>
+            <a:r>
+              <a:rPr lang="en-US" altLang="ko-KR" dirty="0" smtClean="0"/>
+              <a:t>,</a:t>
+            </a:r>
+            <a:r>
+              <a:rPr lang="ko-KR" altLang="en-US" dirty="0" smtClean="0"/>
+              <a:t>최고</a:t>
+            </a:r>
+            <a:r>
+              <a:rPr lang="en-US" altLang="ko-KR" dirty="0" smtClean="0"/>
+              <a:t>,</a:t>
+            </a:r>
+            <a:r>
+              <a:rPr lang="ko-KR" altLang="en-US" dirty="0" smtClean="0"/>
+              <a:t>최저</a:t>
+            </a:r>
+            <a:r>
+              <a:rPr lang="en-US" altLang="ko-KR" dirty="0" smtClean="0"/>
+              <a:t>,</a:t>
+            </a:r>
+            <a:r>
+              <a:rPr lang="ko-KR" altLang="en-US" dirty="0" smtClean="0"/>
+              <a:t>종가</a:t>
+            </a:r>
+            <a:r>
+              <a:rPr lang="en-US" altLang="ko-KR" dirty="0" smtClean="0"/>
+              <a:t>,</a:t>
+            </a:r>
+            <a:r>
+              <a:rPr lang="ko-KR" altLang="en-US" dirty="0" smtClean="0"/>
+              <a:t>거래량 순</a:t>
+            </a:r>
+            <a:r>
+              <a:rPr lang="en-US" altLang="ko-KR" dirty="0" smtClean="0"/>
               <a:t>) </a:t>
             </a:r>
-            <a:r>
-              <a:rPr lang="ko-KR" altLang="en-US" dirty="0" smtClean="0">
-                <a:solidFill>
-                  <a:prstClr val="black"/>
-                </a:solidFill>
-              </a:rPr>
-              <a:t>모델 이용</a:t>
-            </a:r>
-            <a:endParaRPr lang="en-US" altLang="ko-KR" dirty="0" smtClean="0">
-              <a:solidFill>
-                <a:prstClr val="black"/>
-              </a:solidFill>
-            </a:endParaRPr>
-          </a:p>
-        </p:txBody>
-      </p:sp>
-      <p:pic>
-        <p:nvPicPr>
-          <p:cNvPr id="1026" name="Picture 2" descr="C:\Users\KOSTA\Downloads\kospi 확인.png"/>
-          <p:cNvPicPr>
-            <a:picLocks noChangeAspect="1" noChangeArrowheads="1"/>
-          </p:cNvPicPr>
-          <p:nvPr/>
-        </p:nvPicPr>
-        <p:blipFill>
-          <a:blip r:embed="rId2">
-            <a:extLst>
-              <a:ext uri="{28A0092B-C50C-407E-A947-70E740481C1C}">
-                <a14:useLocalDpi xmlns:a14="http://schemas.microsoft.com/office/drawing/2010/main" val="0"/>
-              </a:ext>
-            </a:extLst>
-          </a:blip>
-          <a:srcRect/>
-          <a:stretch>
-            <a:fillRect/>
-          </a:stretch>
-        </p:blipFill>
-        <p:spPr bwMode="auto">
-          <a:xfrm>
-            <a:off x="653352" y="1863117"/>
-            <a:ext cx="5225465" cy="3811246"/>
-          </a:xfrm>
-          <a:prstGeom prst="rect">
-            <a:avLst/>
-          </a:prstGeom>
-          <a:noFill/>
-          <a:extLst>
-            <a:ext uri="{909E8E84-426E-40DD-AFC4-6F175D3DCCD1}">
-              <a14:hiddenFill xmlns:a14="http://schemas.microsoft.com/office/drawing/2010/main">
-                <a:solidFill>
-                  <a:srgbClr val="FFFFFF"/>
-                </a:solidFill>
-              </a14:hiddenFill>
-            </a:ext>
-          </a:extLst>
-        </p:spPr>
-      </p:pic>
-      <p:sp>
-        <p:nvSpPr>
-          <p:cNvPr id="7" name="TextBox 6"/>
-          <p:cNvSpPr txBox="1"/>
-          <p:nvPr/>
-        </p:nvSpPr>
-        <p:spPr>
-          <a:xfrm>
-            <a:off x="6131732" y="2129228"/>
-            <a:ext cx="5001490" cy="369332"/>
-          </a:xfrm>
-          <a:prstGeom prst="rect">
-            <a:avLst/>
-          </a:prstGeom>
-          <a:noFill/>
-        </p:spPr>
-        <p:txBody>
-          <a:bodyPr wrap="square" rtlCol="0">
-            <a:spAutoFit/>
-          </a:bodyPr>
-          <a:lstStyle/>
-          <a:p>
-            <a:r>
-              <a:rPr lang="en-US" altLang="ko-KR" dirty="0" err="1" smtClean="0">
-                <a:solidFill>
-                  <a:prstClr val="black"/>
-                </a:solidFill>
-              </a:rPr>
-              <a:t>Kospi</a:t>
-            </a:r>
-            <a:r>
-              <a:rPr lang="en-US" altLang="ko-KR" dirty="0" smtClean="0">
-                <a:solidFill>
-                  <a:prstClr val="black"/>
-                </a:solidFill>
-              </a:rPr>
+          </a:p>
+          <a:p>
+            <a:r>
+              <a:rPr lang="en-US" altLang="ko-KR" dirty="0" err="1" smtClean="0"/>
+              <a:t>Minmaxscale</a:t>
+            </a:r>
+            <a:r>
+              <a:rPr lang="en-US" altLang="ko-KR" dirty="0" smtClean="0"/>
               <a:t> </a:t>
             </a:r>
             <a:r>
-              <a:rPr lang="ko-KR" altLang="en-US" dirty="0" smtClean="0">
-                <a:solidFill>
-                  <a:prstClr val="black"/>
-                </a:solidFill>
-              </a:rPr>
-              <a:t>주가예측 </a:t>
-            </a:r>
-            <a:r>
-              <a:rPr lang="en-US" altLang="ko-KR" dirty="0" smtClean="0">
-                <a:solidFill>
-                  <a:prstClr val="black"/>
-                </a:solidFill>
-              </a:rPr>
-              <a:t>(train – </a:t>
-            </a:r>
-            <a:r>
-              <a:rPr lang="en-US" altLang="ko-KR" dirty="0" err="1" smtClean="0">
-                <a:solidFill>
-                  <a:prstClr val="black"/>
-                </a:solidFill>
-              </a:rPr>
-              <a:t>kospi</a:t>
-            </a:r>
-            <a:r>
-              <a:rPr lang="en-US" altLang="ko-KR" dirty="0" smtClean="0">
-                <a:solidFill>
-                  <a:prstClr val="black"/>
-                </a:solidFill>
-              </a:rPr>
-              <a:t>, test –</a:t>
-            </a:r>
-            <a:r>
-              <a:rPr lang="en-US" altLang="ko-KR" dirty="0" err="1" smtClean="0">
-                <a:solidFill>
-                  <a:prstClr val="black"/>
-                </a:solidFill>
-              </a:rPr>
-              <a:t>kospi</a:t>
-            </a:r>
-            <a:r>
-              <a:rPr lang="en-US" altLang="ko-KR" dirty="0" smtClean="0">
-                <a:solidFill>
-                  <a:prstClr val="black"/>
-                </a:solidFill>
-              </a:rPr>
-              <a:t>)</a:t>
-            </a:r>
+              <a:rPr lang="ko-KR" altLang="en-US" dirty="0" smtClean="0"/>
+              <a:t>진행하여 좀더 빠르고 적은 메모리</a:t>
+            </a:r>
+            <a:endParaRPr lang="ko-KR" altLang="en-US" dirty="0"/>
           </a:p>
         </p:txBody>
       </p:sp>
     </p:spTree>
     <p:extLst>
       <p:ext uri="{BB962C8B-B14F-4D97-AF65-F5344CB8AC3E}">
-        <p14:creationId xmlns:p14="http://schemas.microsoft.com/office/powerpoint/2010/main" val="242043776"/>
+        <p14:creationId xmlns:p14="http://schemas.microsoft.com/office/powerpoint/2010/main" val="201489154"/>
       </p:ext>
     </p:extLst>
   </p:cSld>
@@ -3765,8 +3726,8 @@
         </p:nvSpPr>
         <p:spPr>
           <a:xfrm>
-            <a:off x="559724" y="257839"/>
-            <a:ext cx="7844443" cy="689812"/>
+            <a:off x="559724" y="322007"/>
+            <a:ext cx="6156959" cy="689812"/>
           </a:xfrm>
         </p:spPr>
         <p:txBody>
@@ -3778,25 +3739,71 @@
             <a:pPr algn="l"/>
             <a:r>
               <a:rPr lang="ko-KR" altLang="en-US" sz="3600" dirty="0" smtClean="0"/>
-              <a:t>데이터 모델링 후 결과 </a:t>
-            </a:r>
-            <a:r>
-              <a:rPr lang="en-US" altLang="ko-KR" sz="3600" dirty="0" smtClean="0"/>
-              <a:t>-</a:t>
-            </a:r>
-            <a:r>
-              <a:rPr lang="ko-KR" altLang="en-US" sz="3600" dirty="0" smtClean="0"/>
-              <a:t>삼성전자만</a:t>
+              <a:t>인공지능 모델 및 학습</a:t>
             </a:r>
             <a:endParaRPr lang="ko-KR" altLang="en-US" sz="3600" dirty="0"/>
+          </a:p>
+        </p:txBody>
+      </p:sp>
+      <p:sp>
+        <p:nvSpPr>
+          <p:cNvPr id="3" name="TextBox 2"/>
+          <p:cNvSpPr txBox="1"/>
+          <p:nvPr/>
+        </p:nvSpPr>
+        <p:spPr>
+          <a:xfrm>
+            <a:off x="653353" y="1262954"/>
+            <a:ext cx="5001490" cy="369332"/>
+          </a:xfrm>
+          <a:prstGeom prst="rect">
+            <a:avLst/>
+          </a:prstGeom>
+          <a:noFill/>
+        </p:spPr>
+        <p:txBody>
+          <a:bodyPr wrap="square" rtlCol="0">
+            <a:spAutoFit/>
+          </a:bodyPr>
+          <a:lstStyle/>
+          <a:p>
+            <a:r>
+              <a:rPr lang="en-US" altLang="ko-KR" dirty="0">
+                <a:solidFill>
+                  <a:prstClr val="black"/>
+                </a:solidFill>
+              </a:rPr>
+              <a:t>Long Short-Term Memory (LSTM</a:t>
+            </a:r>
+            <a:r>
+              <a:rPr lang="en-US" altLang="ko-KR" dirty="0" smtClean="0">
+                <a:solidFill>
+                  <a:prstClr val="black"/>
+                </a:solidFill>
+              </a:rPr>
+              <a:t>) </a:t>
+            </a:r>
+            <a:r>
+              <a:rPr lang="ko-KR" altLang="en-US" dirty="0" smtClean="0">
+                <a:solidFill>
+                  <a:prstClr val="black"/>
+                </a:solidFill>
+              </a:rPr>
+              <a:t>모델 이용</a:t>
+            </a:r>
+            <a:endParaRPr lang="en-US" altLang="ko-KR" dirty="0" smtClean="0">
+              <a:solidFill>
+                <a:prstClr val="black"/>
+              </a:solidFill>
+            </a:endParaRPr>
           </a:p>
         </p:txBody>
       </p:sp>
       <p:pic>
         <p:nvPicPr>
-          <p:cNvPr id="3" name="그림 2"/>
+          <p:cNvPr id="1026" name="Picture 2" descr="C:\Users\KOSTA\Downloads\kospi 확인.png"/>
           <p:cNvPicPr>
-            <a:picLocks noChangeAspect="1"/>
+            <a:picLocks noChangeAspect="1" noChangeArrowheads="1"/>
           </p:cNvPicPr>
           <p:nvPr/>
         </p:nvPicPr>
@@ -3808,35 +3815,46 @@
               </a:ext>
             </a:extLst>
           </a:blip>
+          <a:srcRect/>
           <a:stretch>
             <a:fillRect/>
           </a:stretch>
         </p:blipFill>
-        <p:spPr>
-          <a:xfrm>
-            <a:off x="559724" y="1886989"/>
-            <a:ext cx="5008926" cy="3689294"/>
-          </a:xfrm>
-          <a:prstGeom prst="rect">
-            <a:avLst/>
-          </a:prstGeom>
-        </p:spPr>
-      </p:pic>
-      <p:sp>
-        <p:nvSpPr>
-          <p:cNvPr id="5" name="TextBox 4"/>
-          <p:cNvSpPr txBox="1"/>
-          <p:nvPr/>
-        </p:nvSpPr>
-        <p:spPr>
-          <a:xfrm>
-            <a:off x="6019437" y="2267727"/>
-            <a:ext cx="5001490" cy="646331"/>
+        <p:spPr bwMode="auto">
+          <a:xfrm>
+            <a:off x="653352" y="1863117"/>
+            <a:ext cx="5225465" cy="3811246"/>
           </a:xfrm>
           <a:prstGeom prst="rect">
             <a:avLst/>
           </a:prstGeom>
           <a:noFill/>
+          <a:extLst>
+            <a:ext uri="{909E8E84-426E-40DD-AFC4-6F175D3DCCD1}">
+              <a14:hiddenFill xmlns:a14="http://schemas.microsoft.com/office/drawing/2010/main">
+                <a:solidFill>
+                  <a:srgbClr val="FFFFFF"/>
+                </a:solidFill>
+              </a14:hiddenFill>
+            </a:ext>
+          </a:extLst>
+        </p:spPr>
+      </p:pic>
+      <p:sp>
+        <p:nvSpPr>
+          <p:cNvPr id="7" name="TextBox 6"/>
+          <p:cNvSpPr txBox="1"/>
+          <p:nvPr/>
+        </p:nvSpPr>
+        <p:spPr>
+          <a:xfrm>
+            <a:off x="6131732" y="2129228"/>
+            <a:ext cx="5001490" cy="369332"/>
+          </a:xfrm>
+          <a:prstGeom prst="rect">
+            <a:avLst/>
+          </a:prstGeom>
+          <a:noFill/>
         </p:spPr>
         <p:txBody>
           <a:bodyPr wrap="square" rtlCol="0">
@@ -3845,20 +3863,12 @@
           <a:lstStyle/>
           <a:p>
             <a:r>
-              <a:rPr lang="ko-KR" altLang="en-US" dirty="0" smtClean="0">
+              <a:rPr lang="en-US" altLang="ko-KR" dirty="0" err="1" smtClean="0">
                 <a:solidFill>
                   <a:prstClr val="black"/>
                 </a:solidFill>
               </a:rPr>
-              <a:t>삼성전</a:t>
-            </a:r>
-            <a:r>
-              <a:rPr lang="ko-KR" altLang="en-US" dirty="0">
-                <a:solidFill>
-                  <a:prstClr val="black"/>
-                </a:solidFill>
-              </a:rPr>
-              <a:t>자</a:t>
+              <a:t>Kospi</a:t>
             </a:r>
             <a:r>
               <a:rPr lang="en-US" altLang="ko-KR" dirty="0" smtClean="0">
@@ -3882,16 +3892,6 @@
                   <a:prstClr val="black"/>
                 </a:solidFill>
               </a:rPr>
-              <a:t>-</a:t>
-            </a:r>
-          </a:p>
-          <a:p>
-            <a:r>
-              <a:rPr lang="en-US" altLang="ko-KR" dirty="0" smtClean="0">
-                <a:solidFill>
-                  <a:prstClr val="black"/>
-                </a:solidFill>
-              </a:rPr>
               <a:t>(train – </a:t>
             </a:r>
             <a:r>
@@ -3911,12 +3911,12 @@
               <a:t>, test –</a:t>
             </a:r>
             <a:r>
-              <a:rPr lang="ko-KR" altLang="en-US" dirty="0" smtClean="0">
+              <a:rPr lang="en-US" altLang="ko-KR" dirty="0" err="1" smtClean="0">
                 <a:solidFill>
                   <a:prstClr val="black"/>
                 </a:solidFill>
               </a:rPr>
-              <a:t>삼성전자</a:t>
+              <a:t>kospi</a:t>
             </a:r>
             <a:r>
               <a:rPr lang="en-US" altLang="ko-KR" dirty="0" smtClean="0">
@@ -3932,7 +3932,7 @@
     </p:spTree>
     <p:extLst>
       <p:ext uri="{BB962C8B-B14F-4D97-AF65-F5344CB8AC3E}">
-        <p14:creationId xmlns:p14="http://schemas.microsoft.com/office/powerpoint/2010/main" val="1341807926"/>
+        <p14:creationId xmlns:p14="http://schemas.microsoft.com/office/powerpoint/2010/main" val="242043776"/>
       </p:ext>
     </p:extLst>
   </p:cSld>
@@ -3972,7 +3972,7 @@
         <p:spPr>
           <a:xfrm>
             <a:off x="559724" y="257839"/>
-            <a:ext cx="6156959" cy="689812"/>
+            <a:ext cx="7844443" cy="689812"/>
           </a:xfrm>
         </p:spPr>
         <p:txBody>
@@ -3986,13 +3986,326 @@
               <a:rPr lang="ko-KR" altLang="en-US" sz="3600" dirty="0" smtClean="0"/>
               <a:t>데이터 모델링 후 결과 </a:t>
             </a:r>
+            <a:r>
+              <a:rPr lang="en-US" altLang="ko-KR" sz="3600" dirty="0" smtClean="0"/>
+              <a:t>-</a:t>
+            </a:r>
+            <a:r>
+              <a:rPr lang="ko-KR" altLang="en-US" sz="3600" dirty="0" smtClean="0"/>
+              <a:t>삼성전자만</a:t>
+            </a:r>
             <a:endParaRPr lang="ko-KR" altLang="en-US" sz="3600" dirty="0"/>
           </a:p>
         </p:txBody>
       </p:sp>
       <p:pic>
         <p:nvPicPr>
-          <p:cNvPr id="2050" name="Picture 2" descr="C:\Users\KOSTA\Downloads\kospi 주가.png"/>
+          <p:cNvPr id="3" name="그림 2"/>
+          <p:cNvPicPr>
+            <a:picLocks noChangeAspect="1"/>
+          </p:cNvPicPr>
+          <p:nvPr/>
+        </p:nvPicPr>
+        <p:blipFill>
+          <a:blip r:embed="rId2">
+            <a:extLst>
+              <a:ext uri="{28A0092B-C50C-407E-A947-70E740481C1C}">
+                <a14:useLocalDpi xmlns:a14="http://schemas.microsoft.com/office/drawing/2010/main" val="0"/>
+              </a:ext>
+            </a:extLst>
+          </a:blip>
+          <a:stretch>
+            <a:fillRect/>
+          </a:stretch>
+        </p:blipFill>
+        <p:spPr>
+          <a:xfrm>
+            <a:off x="559724" y="1886989"/>
+            <a:ext cx="5008926" cy="3689294"/>
+          </a:xfrm>
+          <a:prstGeom prst="rect">
+            <a:avLst/>
+          </a:prstGeom>
+        </p:spPr>
+      </p:pic>
+      <p:sp>
+        <p:nvSpPr>
+          <p:cNvPr id="5" name="TextBox 4"/>
+          <p:cNvSpPr txBox="1"/>
+          <p:nvPr/>
+        </p:nvSpPr>
+        <p:spPr>
+          <a:xfrm>
+            <a:off x="6019437" y="2267727"/>
+            <a:ext cx="5001490" cy="646331"/>
+          </a:xfrm>
+          <a:prstGeom prst="rect">
+            <a:avLst/>
+          </a:prstGeom>
+          <a:noFill/>
+        </p:spPr>
+        <p:txBody>
+          <a:bodyPr wrap="square" rtlCol="0">
+            <a:spAutoFit/>
+          </a:bodyPr>
+          <a:lstStyle/>
+          <a:p>
+            <a:r>
+              <a:rPr lang="ko-KR" altLang="en-US" dirty="0" smtClean="0">
+                <a:solidFill>
+                  <a:prstClr val="black"/>
+                </a:solidFill>
+              </a:rPr>
+              <a:t>삼성전</a:t>
+            </a:r>
+            <a:r>
+              <a:rPr lang="ko-KR" altLang="en-US" dirty="0">
+                <a:solidFill>
+                  <a:prstClr val="black"/>
+                </a:solidFill>
+              </a:rPr>
+              <a:t>자</a:t>
+            </a:r>
+            <a:r>
+              <a:rPr lang="en-US" altLang="ko-KR" dirty="0" smtClean="0">
+                <a:solidFill>
+                  <a:prstClr val="black"/>
+                </a:solidFill>
+              </a:rPr>
+              <a:t> </a:t>
+            </a:r>
+            <a:r>
+              <a:rPr lang="ko-KR" altLang="en-US" dirty="0" smtClean="0">
+                <a:solidFill>
+                  <a:prstClr val="black"/>
+                </a:solidFill>
+              </a:rPr>
+              <a:t>주가예측 </a:t>
+            </a:r>
+            <a:r>
+              <a:rPr lang="en-US" altLang="ko-KR" dirty="0" smtClean="0">
+                <a:solidFill>
+                  <a:prstClr val="black"/>
+                </a:solidFill>
+              </a:rPr>
+              <a:t>-</a:t>
+            </a:r>
+          </a:p>
+          <a:p>
+            <a:r>
+              <a:rPr lang="en-US" altLang="ko-KR" dirty="0" smtClean="0">
+                <a:solidFill>
+                  <a:prstClr val="black"/>
+                </a:solidFill>
+              </a:rPr>
+              <a:t>(train – </a:t>
+            </a:r>
+            <a:r>
+              <a:rPr lang="en-US" altLang="ko-KR" dirty="0" err="1" smtClean="0">
+                <a:solidFill>
+                  <a:prstClr val="black"/>
+                </a:solidFill>
+              </a:rPr>
+              <a:t>kospi</a:t>
+            </a:r>
+            <a:r>
+              <a:rPr lang="en-US" altLang="ko-KR" dirty="0" smtClean="0">
+                <a:solidFill>
+                  <a:prstClr val="black"/>
+                </a:solidFill>
+              </a:rPr>
+              <a:t>, test –</a:t>
+            </a:r>
+            <a:r>
+              <a:rPr lang="ko-KR" altLang="en-US" dirty="0" smtClean="0">
+                <a:solidFill>
+                  <a:prstClr val="black"/>
+                </a:solidFill>
+              </a:rPr>
+              <a:t>삼성전자</a:t>
+            </a:r>
+            <a:r>
+              <a:rPr lang="en-US" altLang="ko-KR" dirty="0" smtClean="0">
+                <a:solidFill>
+                  <a:prstClr val="black"/>
+                </a:solidFill>
+              </a:rPr>
+              <a:t>)</a:t>
+            </a:r>
+          </a:p>
+        </p:txBody>
+      </p:sp>
+    </p:spTree>
+    <p:extLst>
+      <p:ext uri="{BB962C8B-B14F-4D97-AF65-F5344CB8AC3E}">
+        <p14:creationId xmlns:p14="http://schemas.microsoft.com/office/powerpoint/2010/main" val="1341807926"/>
+      </p:ext>
+    </p:extLst>
+  </p:cSld>
+  <p:clrMapOvr>
+    <a:masterClrMapping/>
+  </p:clrMapOvr>
+</p:sld>
+</file>
+
+<file path=ppt/slides/slide8.xml><?xml version="1.0" encoding="utf-8"?>
+<p:sld xmlns:a="http://schemas.openxmlformats.org/drawingml/2006/main" xmlns:r="http://schemas.openxmlformats.org/officeDocument/2006/relationships" xmlns:p="http://schemas.openxmlformats.org/presentationml/2006/main">
+  <p:cSld>
+    <p:spTree>
+      <p:nvGrpSpPr>
+        <p:cNvPr id="1" name=""/>
+        <p:cNvGrpSpPr/>
+        <p:nvPr/>
+      </p:nvGrpSpPr>
+      <p:grpSpPr>
+        <a:xfrm>
+          <a:off x="0" y="0"/>
+          <a:ext cx="0" cy="0"/>
+          <a:chOff x="0" y="0"/>
+          <a:chExt cx="0" cy="0"/>
+        </a:xfrm>
+      </p:grpSpPr>
+      <p:sp>
+        <p:nvSpPr>
+          <p:cNvPr id="6" name="제목 1"/>
+          <p:cNvSpPr>
+            <a:spLocks noGrp="1"/>
+          </p:cNvSpPr>
+          <p:nvPr>
+            <p:ph type="ctrTitle"/>
+          </p:nvPr>
+        </p:nvSpPr>
+        <p:spPr>
+          <a:xfrm>
+            <a:off x="559724" y="257839"/>
+            <a:ext cx="6156959" cy="689812"/>
+          </a:xfrm>
+        </p:spPr>
+        <p:txBody>
+          <a:bodyPr>
+            <a:noAutofit/>
+          </a:bodyPr>
+          <a:lstStyle/>
+          <a:p>
+            <a:pPr algn="l"/>
+            <a:r>
+              <a:rPr lang="ko-KR" altLang="en-US" sz="3600" dirty="0" smtClean="0"/>
+              <a:t>데이터 모델링 후 결과 </a:t>
+            </a:r>
+            <a:endParaRPr lang="ko-KR" altLang="en-US" sz="3600" dirty="0"/>
+          </a:p>
+        </p:txBody>
+      </p:sp>
+      <p:sp>
+        <p:nvSpPr>
+          <p:cNvPr id="5" name="TextBox 4"/>
+          <p:cNvSpPr txBox="1"/>
+          <p:nvPr/>
+        </p:nvSpPr>
+        <p:spPr>
+          <a:xfrm>
+            <a:off x="7262701" y="2449888"/>
+            <a:ext cx="5001490" cy="646331"/>
+          </a:xfrm>
+          <a:prstGeom prst="rect">
+            <a:avLst/>
+          </a:prstGeom>
+          <a:noFill/>
+        </p:spPr>
+        <p:txBody>
+          <a:bodyPr wrap="square" rtlCol="0">
+            <a:spAutoFit/>
+          </a:bodyPr>
+          <a:lstStyle/>
+          <a:p>
+            <a:r>
+              <a:rPr lang="ko-KR" altLang="en-US" dirty="0" smtClean="0">
+                <a:solidFill>
+                  <a:prstClr val="black"/>
+                </a:solidFill>
+              </a:rPr>
+              <a:t>삼성전</a:t>
+            </a:r>
+            <a:r>
+              <a:rPr lang="ko-KR" altLang="en-US" dirty="0">
+                <a:solidFill>
+                  <a:prstClr val="black"/>
+                </a:solidFill>
+              </a:rPr>
+              <a:t>자</a:t>
+            </a:r>
+            <a:r>
+              <a:rPr lang="en-US" altLang="ko-KR" dirty="0" smtClean="0">
+                <a:solidFill>
+                  <a:prstClr val="black"/>
+                </a:solidFill>
+              </a:rPr>
+              <a:t> </a:t>
+            </a:r>
+            <a:r>
+              <a:rPr lang="ko-KR" altLang="en-US" dirty="0" smtClean="0">
+                <a:solidFill>
+                  <a:prstClr val="black"/>
+                </a:solidFill>
+              </a:rPr>
+              <a:t>주가예측 </a:t>
+            </a:r>
+            <a:r>
+              <a:rPr lang="en-US" altLang="ko-KR" dirty="0" smtClean="0">
+                <a:solidFill>
+                  <a:prstClr val="black"/>
+                </a:solidFill>
+              </a:rPr>
+              <a:t>-</a:t>
+            </a:r>
+          </a:p>
+          <a:p>
+            <a:r>
+              <a:rPr lang="en-US" altLang="ko-KR" dirty="0" smtClean="0">
+                <a:solidFill>
+                  <a:prstClr val="black"/>
+                </a:solidFill>
+              </a:rPr>
+              <a:t>(train – </a:t>
+            </a:r>
+            <a:r>
+              <a:rPr lang="en-US" altLang="ko-KR" dirty="0" err="1" smtClean="0">
+                <a:solidFill>
+                  <a:prstClr val="black"/>
+                </a:solidFill>
+              </a:rPr>
+              <a:t>kospi</a:t>
+            </a:r>
+            <a:r>
+              <a:rPr lang="en-US" altLang="ko-KR" dirty="0" smtClean="0">
+                <a:solidFill>
+                  <a:prstClr val="black"/>
+                </a:solidFill>
+              </a:rPr>
+              <a:t>, test –</a:t>
+            </a:r>
+            <a:r>
+              <a:rPr lang="ko-KR" altLang="en-US" dirty="0" smtClean="0">
+                <a:solidFill>
+                  <a:prstClr val="black"/>
+                </a:solidFill>
+              </a:rPr>
+              <a:t>삼성전자</a:t>
+            </a:r>
+            <a:r>
+              <a:rPr lang="en-US" altLang="ko-KR" dirty="0" smtClean="0">
+                <a:solidFill>
+                  <a:prstClr val="black"/>
+                </a:solidFill>
+              </a:rPr>
+              <a:t>)</a:t>
+            </a:r>
+          </a:p>
+        </p:txBody>
+      </p:sp>
+      <p:pic>
+        <p:nvPicPr>
+          <p:cNvPr id="1026" name="Picture 2" descr="C:\Users\KOSTA\Downloads\삼성전자-테스트.png"/>
           <p:cNvPicPr>
             <a:picLocks noChangeAspect="1" noChangeArrowheads="1"/>
           </p:cNvPicPr>
@@ -4013,8 +4326,8 @@
         </p:blipFill>
         <p:spPr bwMode="auto">
           <a:xfrm>
-            <a:off x="529473" y="1443789"/>
-            <a:ext cx="6313374" cy="4650372"/>
+            <a:off x="506245" y="1664006"/>
+            <a:ext cx="5710071" cy="4205984"/>
           </a:xfrm>
           <a:prstGeom prst="rect">
             <a:avLst/>
@@ -4031,113 +4344,6 @@
           </a:extLst>
         </p:spPr>
       </p:pic>
-      <p:sp>
-        <p:nvSpPr>
-          <p:cNvPr id="5" name="TextBox 4"/>
-          <p:cNvSpPr txBox="1"/>
-          <p:nvPr/>
-        </p:nvSpPr>
-        <p:spPr>
-          <a:xfrm>
-            <a:off x="7262701" y="2449888"/>
-            <a:ext cx="5001490" cy="646331"/>
-          </a:xfrm>
-          <a:prstGeom prst="rect">
-            <a:avLst/>
-          </a:prstGeom>
-          <a:noFill/>
-        </p:spPr>
-        <p:txBody>
-          <a:bodyPr wrap="square" rtlCol="0">
-            <a:spAutoFit/>
-          </a:bodyPr>
-          <a:lstStyle/>
-          <a:p>
-            <a:r>
-              <a:rPr lang="ko-KR" altLang="en-US" dirty="0" smtClean="0">
-                <a:solidFill>
-                  <a:prstClr val="black"/>
-                </a:solidFill>
-              </a:rPr>
-              <a:t>삼성전</a:t>
-            </a:r>
-            <a:r>
-              <a:rPr lang="ko-KR" altLang="en-US" dirty="0">
-                <a:solidFill>
-                  <a:prstClr val="black"/>
-                </a:solidFill>
-              </a:rPr>
-              <a:t>자</a:t>
-            </a:r>
-            <a:r>
-              <a:rPr lang="en-US" altLang="ko-KR" dirty="0" smtClean="0">
-                <a:solidFill>
-                  <a:prstClr val="black"/>
-                </a:solidFill>
-              </a:rPr>
-              <a:t> </a:t>
-            </a:r>
-            <a:r>
-              <a:rPr lang="ko-KR" altLang="en-US" dirty="0" smtClean="0">
-                <a:solidFill>
-                  <a:prstClr val="black"/>
-                </a:solidFill>
-              </a:rPr>
-              <a:t>주가예측 </a:t>
-            </a:r>
-            <a:r>
-              <a:rPr lang="en-US" altLang="ko-KR" dirty="0" smtClean="0">
-                <a:solidFill>
-                  <a:prstClr val="black"/>
-                </a:solidFill>
-              </a:rPr>
-              <a:t>-</a:t>
-            </a:r>
-          </a:p>
-          <a:p>
-            <a:r>
-              <a:rPr lang="en-US" altLang="ko-KR" dirty="0" smtClean="0">
-                <a:solidFill>
-                  <a:prstClr val="black"/>
-                </a:solidFill>
-              </a:rPr>
-              <a:t>(train – </a:t>
-            </a:r>
-            <a:r>
-              <a:rPr lang="en-US" altLang="ko-KR" dirty="0" err="1" smtClean="0">
-                <a:solidFill>
-                  <a:prstClr val="black"/>
-                </a:solidFill>
-              </a:rPr>
-              <a:t>kospi</a:t>
-            </a:r>
-            <a:r>
-              <a:rPr lang="en-US" altLang="ko-KR" dirty="0" smtClean="0">
-                <a:solidFill>
-                  <a:prstClr val="black"/>
-                </a:solidFill>
-              </a:rPr>
-              <a:t>, test –</a:t>
-            </a:r>
-            <a:r>
-              <a:rPr lang="ko-KR" altLang="en-US" dirty="0" smtClean="0">
-                <a:solidFill>
-                  <a:prstClr val="black"/>
-                </a:solidFill>
-              </a:rPr>
-              <a:t>삼성전자</a:t>
-            </a:r>
-            <a:r>
-              <a:rPr lang="en-US" altLang="ko-KR" dirty="0" smtClean="0">
-                <a:solidFill>
-                  <a:prstClr val="black"/>
-                </a:solidFill>
-              </a:rPr>
-              <a:t>)</a:t>
-            </a:r>
-          </a:p>
-        </p:txBody>
-      </p:sp>
     </p:spTree>
     <p:extLst>
       <p:ext uri="{BB962C8B-B14F-4D97-AF65-F5344CB8AC3E}">
@@ -4151,7 +4357,7 @@
 </p:sld>
 </file>
 
-<file path=ppt/slides/slide8.xml><?xml version="1.0" encoding="utf-8"?>
+<file path=ppt/slides/slide9.xml><?xml version="1.0" encoding="utf-8"?>
 <p:sld xmlns:a="http://schemas.openxmlformats.org/drawingml/2006/main" xmlns:r="http://schemas.openxmlformats.org/officeDocument/2006/relationships" xmlns:p="http://schemas.openxmlformats.org/presentationml/2006/main">
   <p:cSld>
     <p:spTree>
@@ -4470,7 +4676,7 @@
   <a:extraClrSchemeLst/>
   <a:extLst>
     <a:ext uri="{05A4C25C-085E-4340-85A3-A5531E510DB2}">
-      <thm15:themeFamily xmlns:thm15="http://schemas.microsoft.com/office/thememl/2012/main" xmlns="" name="Office Theme" id="{62F939B6-93AF-4DB8-9C6B-D6C7DFDC589F}" vid="{4A3C46E8-61CC-4603-A589-7422A47A8E4A}"/>
+      <thm15:themeFamily xmlns="" xmlns:thm15="http://schemas.microsoft.com/office/thememl/2012/main" name="Office Theme" id="{62F939B6-93AF-4DB8-9C6B-D6C7DFDC589F}" vid="{4A3C46E8-61CC-4603-A589-7422A47A8E4A}"/>
     </a:ext>
   </a:extLst>
 </a:theme>

--- a/인공지능을 통한 주가예측.pptx
+++ b/인공지능을 통한 주가예측.pptx
@@ -3267,8 +3267,8 @@
         </p:nvSpPr>
         <p:spPr>
           <a:xfrm>
-            <a:off x="6292734" y="2560319"/>
-            <a:ext cx="5128953" cy="923330"/>
+            <a:off x="6292735" y="2560319"/>
+            <a:ext cx="4920698" cy="923330"/>
           </a:xfrm>
           <a:prstGeom prst="rect">
             <a:avLst/>
@@ -3670,7 +3670,7 @@
           <a:p>
             <a:r>
               <a:rPr lang="en-US" altLang="ko-KR" dirty="0" err="1" smtClean="0"/>
-              <a:t>Minmaxscale</a:t>
+              <a:t>Kospi</a:t>
             </a:r>
             <a:r>
               <a:rPr lang="en-US" altLang="ko-KR" dirty="0" smtClean="0"/>
@@ -3678,7 +3678,15 @@
             </a:r>
             <a:r>
               <a:rPr lang="ko-KR" altLang="en-US" dirty="0" smtClean="0"/>
-              <a:t>진행하여 좀더 빠르고 적은 메모리</a:t>
+              <a:t>이전 데이터를 삭제 </a:t>
+            </a:r>
+            <a:r>
+              <a:rPr lang="en-US" altLang="ko-KR" dirty="0" smtClean="0"/>
+              <a:t>, 2012~2019</a:t>
+            </a:r>
+            <a:r>
+              <a:rPr lang="ko-KR" altLang="en-US" smtClean="0"/>
+              <a:t>년 데이터만을 사용</a:t>
             </a:r>
             <a:endParaRPr lang="ko-KR" altLang="en-US" dirty="0"/>
           </a:p>
@@ -4676,7 +4684,7 @@
   <a:extraClrSchemeLst/>
   <a:extLst>
     <a:ext uri="{05A4C25C-085E-4340-85A3-A5531E510DB2}">
-      <thm15:themeFamily xmlns="" xmlns:thm15="http://schemas.microsoft.com/office/thememl/2012/main" name="Office Theme" id="{62F939B6-93AF-4DB8-9C6B-D6C7DFDC589F}" vid="{4A3C46E8-61CC-4603-A589-7422A47A8E4A}"/>
+      <thm15:themeFamily xmlns:thm15="http://schemas.microsoft.com/office/thememl/2012/main" xmlns="" name="Office Theme" id="{62F939B6-93AF-4DB8-9C6B-D6C7DFDC589F}" vid="{4A3C46E8-61CC-4603-A589-7422A47A8E4A}"/>
     </a:ext>
   </a:extLst>
 </a:theme>

--- a/인공지능을 통한 주가예측.pptx
+++ b/인공지능을 통한 주가예측.pptx
@@ -9,11 +9,13 @@
     <p:sldId id="257" r:id="rId3"/>
     <p:sldId id="260" r:id="rId4"/>
     <p:sldId id="264" r:id="rId5"/>
-    <p:sldId id="258" r:id="rId6"/>
-    <p:sldId id="263" r:id="rId7"/>
-    <p:sldId id="261" r:id="rId8"/>
-    <p:sldId id="259" r:id="rId9"/>
-    <p:sldId id="262" r:id="rId10"/>
+    <p:sldId id="265" r:id="rId6"/>
+    <p:sldId id="266" r:id="rId7"/>
+    <p:sldId id="258" r:id="rId8"/>
+    <p:sldId id="263" r:id="rId9"/>
+    <p:sldId id="261" r:id="rId10"/>
+    <p:sldId id="259" r:id="rId11"/>
+    <p:sldId id="262" r:id="rId12"/>
   </p:sldIdLst>
   <p:sldSz cx="12192000" cy="6858000"/>
   <p:notesSz cx="6858000" cy="9144000"/>
@@ -3060,6 +3062,279 @@
 </p:sld>
 </file>
 
+<file path=ppt/slides/slide10.xml><?xml version="1.0" encoding="utf-8"?>
+<p:sld xmlns:a="http://schemas.openxmlformats.org/drawingml/2006/main" xmlns:r="http://schemas.openxmlformats.org/officeDocument/2006/relationships" xmlns:p="http://schemas.openxmlformats.org/presentationml/2006/main">
+  <p:cSld>
+    <p:spTree>
+      <p:nvGrpSpPr>
+        <p:cNvPr id="1" name=""/>
+        <p:cNvGrpSpPr/>
+        <p:nvPr/>
+      </p:nvGrpSpPr>
+      <p:grpSpPr>
+        <a:xfrm>
+          <a:off x="0" y="0"/>
+          <a:ext cx="0" cy="0"/>
+          <a:chOff x="0" y="0"/>
+          <a:chExt cx="0" cy="0"/>
+        </a:xfrm>
+      </p:grpSpPr>
+      <p:sp>
+        <p:nvSpPr>
+          <p:cNvPr id="6" name="제목 1"/>
+          <p:cNvSpPr>
+            <a:spLocks noGrp="1"/>
+          </p:cNvSpPr>
+          <p:nvPr>
+            <p:ph type="ctrTitle"/>
+          </p:nvPr>
+        </p:nvSpPr>
+        <p:spPr>
+          <a:xfrm>
+            <a:off x="559724" y="257839"/>
+            <a:ext cx="6156959" cy="689812"/>
+          </a:xfrm>
+        </p:spPr>
+        <p:txBody>
+          <a:bodyPr>
+            <a:noAutofit/>
+          </a:bodyPr>
+          <a:lstStyle/>
+          <a:p>
+            <a:pPr algn="l"/>
+            <a:r>
+              <a:rPr lang="ko-KR" altLang="en-US" sz="3600" dirty="0" smtClean="0"/>
+              <a:t>데이터 모델링 후 결과 </a:t>
+            </a:r>
+            <a:endParaRPr lang="ko-KR" altLang="en-US" sz="3600" dirty="0"/>
+          </a:p>
+        </p:txBody>
+      </p:sp>
+      <p:sp>
+        <p:nvSpPr>
+          <p:cNvPr id="5" name="TextBox 4"/>
+          <p:cNvSpPr txBox="1"/>
+          <p:nvPr/>
+        </p:nvSpPr>
+        <p:spPr>
+          <a:xfrm>
+            <a:off x="7262701" y="2449888"/>
+            <a:ext cx="5001490" cy="646331"/>
+          </a:xfrm>
+          <a:prstGeom prst="rect">
+            <a:avLst/>
+          </a:prstGeom>
+          <a:noFill/>
+        </p:spPr>
+        <p:txBody>
+          <a:bodyPr wrap="square" rtlCol="0">
+            <a:spAutoFit/>
+          </a:bodyPr>
+          <a:lstStyle/>
+          <a:p>
+            <a:r>
+              <a:rPr lang="ko-KR" altLang="en-US" dirty="0" smtClean="0">
+                <a:solidFill>
+                  <a:prstClr val="black"/>
+                </a:solidFill>
+              </a:rPr>
+              <a:t>삼성전</a:t>
+            </a:r>
+            <a:r>
+              <a:rPr lang="ko-KR" altLang="en-US" dirty="0">
+                <a:solidFill>
+                  <a:prstClr val="black"/>
+                </a:solidFill>
+              </a:rPr>
+              <a:t>자</a:t>
+            </a:r>
+            <a:r>
+              <a:rPr lang="en-US" altLang="ko-KR" dirty="0" smtClean="0">
+                <a:solidFill>
+                  <a:prstClr val="black"/>
+                </a:solidFill>
+              </a:rPr>
+              <a:t> </a:t>
+            </a:r>
+            <a:r>
+              <a:rPr lang="ko-KR" altLang="en-US" dirty="0" smtClean="0">
+                <a:solidFill>
+                  <a:prstClr val="black"/>
+                </a:solidFill>
+              </a:rPr>
+              <a:t>주가예측 </a:t>
+            </a:r>
+            <a:r>
+              <a:rPr lang="en-US" altLang="ko-KR" dirty="0" smtClean="0">
+                <a:solidFill>
+                  <a:prstClr val="black"/>
+                </a:solidFill>
+              </a:rPr>
+              <a:t>-</a:t>
+            </a:r>
+          </a:p>
+          <a:p>
+            <a:r>
+              <a:rPr lang="en-US" altLang="ko-KR" dirty="0" smtClean="0">
+                <a:solidFill>
+                  <a:prstClr val="black"/>
+                </a:solidFill>
+              </a:rPr>
+              <a:t>(train – </a:t>
+            </a:r>
+            <a:r>
+              <a:rPr lang="en-US" altLang="ko-KR" dirty="0" err="1" smtClean="0">
+                <a:solidFill>
+                  <a:prstClr val="black"/>
+                </a:solidFill>
+              </a:rPr>
+              <a:t>kospi</a:t>
+            </a:r>
+            <a:r>
+              <a:rPr lang="en-US" altLang="ko-KR" dirty="0" smtClean="0">
+                <a:solidFill>
+                  <a:prstClr val="black"/>
+                </a:solidFill>
+              </a:rPr>
+              <a:t>, test –</a:t>
+            </a:r>
+            <a:r>
+              <a:rPr lang="ko-KR" altLang="en-US" dirty="0" smtClean="0">
+                <a:solidFill>
+                  <a:prstClr val="black"/>
+                </a:solidFill>
+              </a:rPr>
+              <a:t>삼성전자</a:t>
+            </a:r>
+            <a:r>
+              <a:rPr lang="en-US" altLang="ko-KR" dirty="0" smtClean="0">
+                <a:solidFill>
+                  <a:prstClr val="black"/>
+                </a:solidFill>
+              </a:rPr>
+              <a:t>)</a:t>
+            </a:r>
+          </a:p>
+        </p:txBody>
+      </p:sp>
+      <p:pic>
+        <p:nvPicPr>
+          <p:cNvPr id="1026" name="Picture 2" descr="C:\Users\KOSTA\Downloads\삼성전자-테스트.png"/>
+          <p:cNvPicPr>
+            <a:picLocks noChangeAspect="1" noChangeArrowheads="1"/>
+          </p:cNvPicPr>
+          <p:nvPr/>
+        </p:nvPicPr>
+        <p:blipFill>
+          <a:blip r:embed="rId2">
+            <a:extLst>
+              <a:ext uri="{28A0092B-C50C-407E-A947-70E740481C1C}">
+                <a14:useLocalDpi xmlns:a14="http://schemas.microsoft.com/office/drawing/2010/main" val="0"/>
+              </a:ext>
+            </a:extLst>
+          </a:blip>
+          <a:srcRect/>
+          <a:stretch>
+            <a:fillRect/>
+          </a:stretch>
+        </p:blipFill>
+        <p:spPr bwMode="auto">
+          <a:xfrm>
+            <a:off x="506245" y="1664006"/>
+            <a:ext cx="5710071" cy="4205984"/>
+          </a:xfrm>
+          <a:prstGeom prst="rect">
+            <a:avLst/>
+          </a:prstGeom>
+          <a:noFill/>
+          <a:extLst>
+            <a:ext uri="{909E8E84-426E-40DD-AFC4-6F175D3DCCD1}">
+              <a14:hiddenFill xmlns:a14="http://schemas.microsoft.com/office/drawing/2010/main">
+                <a:solidFill>
+                  <a:srgbClr val="FFFFFF"/>
+                </a:solidFill>
+              </a14:hiddenFill>
+            </a:ext>
+          </a:extLst>
+        </p:spPr>
+      </p:pic>
+    </p:spTree>
+    <p:extLst>
+      <p:ext uri="{BB962C8B-B14F-4D97-AF65-F5344CB8AC3E}">
+        <p14:creationId xmlns:p14="http://schemas.microsoft.com/office/powerpoint/2010/main" val="1099516764"/>
+      </p:ext>
+    </p:extLst>
+  </p:cSld>
+  <p:clrMapOvr>
+    <a:masterClrMapping/>
+  </p:clrMapOvr>
+</p:sld>
+</file>
+
+<file path=ppt/slides/slide11.xml><?xml version="1.0" encoding="utf-8"?>
+<p:sld xmlns:a="http://schemas.openxmlformats.org/drawingml/2006/main" xmlns:r="http://schemas.openxmlformats.org/officeDocument/2006/relationships" xmlns:p="http://schemas.openxmlformats.org/presentationml/2006/main">
+  <p:cSld>
+    <p:spTree>
+      <p:nvGrpSpPr>
+        <p:cNvPr id="1" name=""/>
+        <p:cNvGrpSpPr/>
+        <p:nvPr/>
+      </p:nvGrpSpPr>
+      <p:grpSpPr>
+        <a:xfrm>
+          <a:off x="0" y="0"/>
+          <a:ext cx="0" cy="0"/>
+          <a:chOff x="0" y="0"/>
+          <a:chExt cx="0" cy="0"/>
+        </a:xfrm>
+      </p:grpSpPr>
+      <p:sp>
+        <p:nvSpPr>
+          <p:cNvPr id="10" name="TextBox 9"/>
+          <p:cNvSpPr txBox="1"/>
+          <p:nvPr/>
+        </p:nvSpPr>
+        <p:spPr>
+          <a:xfrm>
+            <a:off x="4073235" y="2776450"/>
+            <a:ext cx="5128953" cy="769441"/>
+          </a:xfrm>
+          <a:prstGeom prst="rect">
+            <a:avLst/>
+          </a:prstGeom>
+          <a:noFill/>
+        </p:spPr>
+        <p:txBody>
+          <a:bodyPr wrap="square" rtlCol="0">
+            <a:spAutoFit/>
+          </a:bodyPr>
+          <a:lstStyle/>
+          <a:p>
+            <a:r>
+              <a:rPr lang="ko-KR" altLang="en-US" sz="4400" dirty="0" smtClean="0"/>
+              <a:t>감사합니다</a:t>
+            </a:r>
+            <a:r>
+              <a:rPr lang="en-US" altLang="ko-KR" sz="4400" dirty="0" smtClean="0"/>
+              <a:t>.</a:t>
+            </a:r>
+            <a:endParaRPr lang="ko-KR" altLang="en-US" sz="4400" dirty="0"/>
+          </a:p>
+        </p:txBody>
+      </p:sp>
+    </p:spTree>
+    <p:extLst>
+      <p:ext uri="{BB962C8B-B14F-4D97-AF65-F5344CB8AC3E}">
+        <p14:creationId xmlns:p14="http://schemas.microsoft.com/office/powerpoint/2010/main" val="899177345"/>
+      </p:ext>
+    </p:extLst>
+  </p:cSld>
+  <p:clrMapOvr>
+    <a:masterClrMapping/>
+  </p:clrMapOvr>
+</p:sld>
+</file>
+
 <file path=ppt/slides/slide2.xml><?xml version="1.0" encoding="utf-8"?>
 <p:sld xmlns:a="http://schemas.openxmlformats.org/drawingml/2006/main" xmlns:r="http://schemas.openxmlformats.org/officeDocument/2006/relationships" xmlns:p="http://schemas.openxmlformats.org/presentationml/2006/main">
   <p:cSld>
@@ -3563,49 +3838,14 @@
       </p:sp>
       <p:sp>
         <p:nvSpPr>
-          <p:cNvPr id="2" name="직사각형 1"/>
-          <p:cNvSpPr/>
-          <p:nvPr/>
-        </p:nvSpPr>
-        <p:spPr>
-          <a:xfrm>
-            <a:off x="371301" y="3369439"/>
-            <a:ext cx="11396750" cy="1477328"/>
-          </a:xfrm>
-          <a:prstGeom prst="rect">
-            <a:avLst/>
-          </a:prstGeom>
-        </p:spPr>
-        <p:txBody>
-          <a:bodyPr wrap="square">
-            <a:spAutoFit/>
-          </a:bodyPr>
-          <a:lstStyle/>
-          <a:p>
-            <a:r>
-              <a:rPr lang="en-US" altLang="ko-KR" b="0" i="0" dirty="0" smtClean="0">
-                <a:solidFill>
-                  <a:srgbClr val="212121"/>
-                </a:solidFill>
-                <a:effectLst/>
-                <a:latin typeface="Courier New" panose="02070309020205020404" pitchFamily="49" charset="0"/>
-              </a:rPr>
-              <a:t>array([[0.00889258, 0.00859504, 0.0087933 , 0.00165999, 0.00469957], [0.00864895, 0.00806818, 0.00848045, 0.00151612, 0.00537472], [0.00857143, 0.00817149, 0.00842458, 0.00138332, 0.00569662], ..., [0.66112957, 0.61983471, 0.66256983, 0.6525088 , 0.14620173], [0.64894795, 0.6177686 , 0.64916201, 0.64808216, 0.1936984 ], [0.65448505, 0.61466942, 0.65251397, 0.65029548, 0.13749703]])</a:t>
-            </a:r>
-            <a:endParaRPr lang="ko-KR" altLang="en-US" dirty="0"/>
-          </a:p>
-        </p:txBody>
-      </p:sp>
-      <p:sp>
-        <p:nvSpPr>
-          <p:cNvPr id="3" name="TextBox 2"/>
+          <p:cNvPr id="8" name="TextBox 7"/>
           <p:cNvSpPr txBox="1"/>
           <p:nvPr/>
         </p:nvSpPr>
         <p:spPr>
           <a:xfrm>
-            <a:off x="789709" y="2161310"/>
-            <a:ext cx="7639396" cy="646331"/>
+            <a:off x="597206" y="1057874"/>
+            <a:ext cx="5001490" cy="369332"/>
           </a:xfrm>
           <a:prstGeom prst="rect">
             <a:avLst/>
@@ -3619,83 +3859,87 @@
           <a:lstStyle/>
           <a:p>
             <a:r>
-              <a:rPr lang="ko-KR" altLang="en-US" dirty="0" smtClean="0"/>
-              <a:t>데이터 </a:t>
-            </a:r>
-            <a:r>
-              <a:rPr lang="en-US" altLang="ko-KR" dirty="0" smtClean="0"/>
-              <a:t>(</a:t>
-            </a:r>
-            <a:r>
-              <a:rPr lang="ko-KR" altLang="en-US" dirty="0" smtClean="0"/>
-              <a:t>시초가</a:t>
-            </a:r>
-            <a:r>
-              <a:rPr lang="en-US" altLang="ko-KR" dirty="0" smtClean="0"/>
-              <a:t>,</a:t>
-            </a:r>
-            <a:r>
-              <a:rPr lang="ko-KR" altLang="en-US" dirty="0" smtClean="0"/>
-              <a:t>최고</a:t>
-            </a:r>
-            <a:r>
-              <a:rPr lang="en-US" altLang="ko-KR" dirty="0" smtClean="0"/>
-              <a:t>,</a:t>
-            </a:r>
-            <a:r>
-              <a:rPr lang="ko-KR" altLang="en-US" dirty="0" smtClean="0"/>
-              <a:t>최저</a:t>
-            </a:r>
-            <a:r>
-              <a:rPr lang="en-US" altLang="ko-KR" dirty="0" smtClean="0"/>
-              <a:t>,</a:t>
-            </a:r>
-            <a:r>
-              <a:rPr lang="ko-KR" altLang="en-US" dirty="0" smtClean="0"/>
-              <a:t>종가</a:t>
-            </a:r>
-            <a:r>
-              <a:rPr lang="en-US" altLang="ko-KR" dirty="0" smtClean="0"/>
-              <a:t>,</a:t>
-            </a:r>
-            <a:r>
-              <a:rPr lang="ko-KR" altLang="en-US" dirty="0" smtClean="0"/>
-              <a:t>거래량 순</a:t>
-            </a:r>
-            <a:r>
-              <a:rPr lang="en-US" altLang="ko-KR" dirty="0" smtClean="0"/>
-              <a:t>) </a:t>
-            </a:r>
-          </a:p>
-          <a:p>
-            <a:r>
-              <a:rPr lang="en-US" altLang="ko-KR" dirty="0" err="1" smtClean="0"/>
-              <a:t>Kospi</a:t>
-            </a:r>
-            <a:r>
-              <a:rPr lang="en-US" altLang="ko-KR" dirty="0" smtClean="0"/>
-              <a:t> </a:t>
-            </a:r>
-            <a:r>
-              <a:rPr lang="ko-KR" altLang="en-US" dirty="0" smtClean="0"/>
-              <a:t>이전 데이터를 삭제 </a:t>
-            </a:r>
-            <a:r>
-              <a:rPr lang="en-US" altLang="ko-KR" dirty="0" smtClean="0"/>
-              <a:t>, 2012~2019</a:t>
-            </a:r>
-            <a:r>
-              <a:rPr lang="ko-KR" altLang="en-US" smtClean="0"/>
-              <a:t>년 데이터만을 사용</a:t>
-            </a:r>
-            <a:endParaRPr lang="ko-KR" altLang="en-US" dirty="0"/>
-          </a:p>
-        </p:txBody>
-      </p:sp>
+              <a:rPr lang="en-US" altLang="ko-KR" dirty="0" smtClean="0">
+                <a:solidFill>
+                  <a:prstClr val="black"/>
+                </a:solidFill>
+              </a:rPr>
+              <a:t>RNN </a:t>
+            </a:r>
+            <a:r>
+              <a:rPr lang="ko-KR" altLang="en-US" dirty="0" smtClean="0">
+                <a:solidFill>
+                  <a:prstClr val="black"/>
+                </a:solidFill>
+              </a:rPr>
+              <a:t>모델 이용 </a:t>
+            </a:r>
+            <a:endParaRPr lang="en-US" altLang="ko-KR" dirty="0" smtClean="0">
+              <a:solidFill>
+                <a:prstClr val="black"/>
+              </a:solidFill>
+            </a:endParaRPr>
+          </a:p>
+        </p:txBody>
+      </p:sp>
+      <p:pic>
+        <p:nvPicPr>
+          <p:cNvPr id="1026" name="Picture 2"/>
+          <p:cNvPicPr>
+            <a:picLocks noChangeAspect="1" noChangeArrowheads="1"/>
+          </p:cNvPicPr>
+          <p:nvPr/>
+        </p:nvPicPr>
+        <p:blipFill>
+          <a:blip r:embed="rId2">
+            <a:extLst>
+              <a:ext uri="{28A0092B-C50C-407E-A947-70E740481C1C}">
+                <a14:useLocalDpi xmlns:a14="http://schemas.microsoft.com/office/drawing/2010/main" val="0"/>
+              </a:ext>
+            </a:extLst>
+          </a:blip>
+          <a:srcRect/>
+          <a:stretch>
+            <a:fillRect/>
+          </a:stretch>
+        </p:blipFill>
+        <p:spPr bwMode="auto">
+          <a:xfrm>
+            <a:off x="597206" y="1622561"/>
+            <a:ext cx="3919287" cy="4861555"/>
+          </a:xfrm>
+          <a:prstGeom prst="rect">
+            <a:avLst/>
+          </a:prstGeom>
+          <a:noFill/>
+          <a:ln>
+            <a:noFill/>
+          </a:ln>
+          <a:extLst>
+            <a:ext uri="{909E8E84-426E-40DD-AFC4-6F175D3DCCD1}">
+              <a14:hiddenFill xmlns:a14="http://schemas.microsoft.com/office/drawing/2010/main">
+                <a:solidFill>
+                  <a:schemeClr val="accent1"/>
+                </a:solidFill>
+              </a14:hiddenFill>
+            </a:ext>
+            <a:ext uri="{91240B29-F687-4F45-9708-019B960494DF}">
+              <a14:hiddenLine xmlns:a14="http://schemas.microsoft.com/office/drawing/2010/main" w="9525">
+                <a:solidFill>
+                  <a:schemeClr val="tx1"/>
+                </a:solidFill>
+                <a:miter lim="800000"/>
+                <a:headEnd/>
+                <a:tailEnd/>
+              </a14:hiddenLine>
+            </a:ext>
+          </a:extLst>
+        </p:spPr>
+      </p:pic>
     </p:spTree>
     <p:extLst>
       <p:ext uri="{BB962C8B-B14F-4D97-AF65-F5344CB8AC3E}">
-        <p14:creationId xmlns:p14="http://schemas.microsoft.com/office/powerpoint/2010/main" val="201489154"/>
+        <p14:creationId xmlns:p14="http://schemas.microsoft.com/office/powerpoint/2010/main" val="2746043316"/>
       </p:ext>
     </p:extLst>
   </p:cSld>
@@ -3734,7 +3978,7 @@
         </p:nvSpPr>
         <p:spPr>
           <a:xfrm>
-            <a:off x="559724" y="322007"/>
+            <a:off x="559724" y="257839"/>
             <a:ext cx="6156959" cy="689812"/>
           </a:xfrm>
         </p:spPr>
@@ -3747,69 +3991,15 @@
             <a:pPr algn="l"/>
             <a:r>
               <a:rPr lang="ko-KR" altLang="en-US" sz="3600" dirty="0" smtClean="0"/>
-              <a:t>인공지능 모델 및 학습</a:t>
+              <a:t>데이터의 전처리 </a:t>
             </a:r>
             <a:endParaRPr lang="ko-KR" altLang="en-US" sz="3600" dirty="0"/>
-          </a:p>
-        </p:txBody>
-      </p:sp>
-      <p:sp>
-        <p:nvSpPr>
-          <p:cNvPr id="3" name="TextBox 2"/>
-          <p:cNvSpPr txBox="1"/>
-          <p:nvPr/>
-        </p:nvSpPr>
-        <p:spPr>
-          <a:xfrm>
-            <a:off x="653353" y="1262954"/>
-            <a:ext cx="5001490" cy="369332"/>
-          </a:xfrm>
-          <a:prstGeom prst="rect">
-            <a:avLst/>
-          </a:prstGeom>
-          <a:noFill/>
-        </p:spPr>
-        <p:txBody>
-          <a:bodyPr wrap="square" rtlCol="0">
-            <a:spAutoFit/>
-          </a:bodyPr>
-          <a:lstStyle/>
-          <a:p>
-            <a:r>
-              <a:rPr lang="en-US" altLang="ko-KR" dirty="0">
-                <a:solidFill>
-                  <a:prstClr val="black"/>
-                </a:solidFill>
-              </a:rPr>
-              <a:t>Long Short-Term Memory (LSTM</a:t>
-            </a:r>
-            <a:r>
-              <a:rPr lang="en-US" altLang="ko-KR" dirty="0" smtClean="0">
-                <a:solidFill>
-                  <a:prstClr val="black"/>
-                </a:solidFill>
-              </a:rPr>
-              <a:t>) </a:t>
-            </a:r>
-            <a:r>
-              <a:rPr lang="ko-KR" altLang="en-US" dirty="0" smtClean="0">
-                <a:solidFill>
-                  <a:prstClr val="black"/>
-                </a:solidFill>
-              </a:rPr>
-              <a:t>모델 이용</a:t>
-            </a:r>
-            <a:endParaRPr lang="en-US" altLang="ko-KR" dirty="0" smtClean="0">
-              <a:solidFill>
-                <a:prstClr val="black"/>
-              </a:solidFill>
-            </a:endParaRPr>
           </a:p>
         </p:txBody>
       </p:sp>
       <p:pic>
         <p:nvPicPr>
-          <p:cNvPr id="1026" name="Picture 2" descr="C:\Users\KOSTA\Downloads\kospi 확인.png"/>
+          <p:cNvPr id="2051" name="Picture 3"/>
           <p:cNvPicPr>
             <a:picLocks noChangeAspect="1" noChangeArrowheads="1"/>
           </p:cNvPicPr>
@@ -3830,34 +4020,47 @@
         </p:blipFill>
         <p:spPr bwMode="auto">
           <a:xfrm>
-            <a:off x="653352" y="1863117"/>
-            <a:ext cx="5225465" cy="3811246"/>
+            <a:off x="553705" y="1114926"/>
+            <a:ext cx="7928862" cy="5209424"/>
           </a:xfrm>
           <a:prstGeom prst="rect">
             <a:avLst/>
           </a:prstGeom>
           <a:noFill/>
+          <a:ln>
+            <a:noFill/>
+          </a:ln>
           <a:extLst>
             <a:ext uri="{909E8E84-426E-40DD-AFC4-6F175D3DCCD1}">
               <a14:hiddenFill xmlns:a14="http://schemas.microsoft.com/office/drawing/2010/main">
                 <a:solidFill>
-                  <a:srgbClr val="FFFFFF"/>
+                  <a:schemeClr val="accent1"/>
                 </a:solidFill>
               </a14:hiddenFill>
             </a:ext>
+            <a:ext uri="{91240B29-F687-4F45-9708-019B960494DF}">
+              <a14:hiddenLine xmlns:a14="http://schemas.microsoft.com/office/drawing/2010/main" w="9525">
+                <a:solidFill>
+                  <a:schemeClr val="tx1"/>
+                </a:solidFill>
+                <a:miter lim="800000"/>
+                <a:headEnd/>
+                <a:tailEnd/>
+              </a14:hiddenLine>
+            </a:ext>
           </a:extLst>
         </p:spPr>
       </p:pic>
       <p:sp>
         <p:nvSpPr>
-          <p:cNvPr id="7" name="TextBox 6"/>
+          <p:cNvPr id="2" name="TextBox 1"/>
           <p:cNvSpPr txBox="1"/>
           <p:nvPr/>
         </p:nvSpPr>
         <p:spPr>
           <a:xfrm>
-            <a:off x="6131732" y="2129228"/>
-            <a:ext cx="5001490" cy="369332"/>
+            <a:off x="8686800" y="4251158"/>
+            <a:ext cx="3280611" cy="369332"/>
           </a:xfrm>
           <a:prstGeom prst="rect">
             <a:avLst/>
@@ -3871,76 +4074,33 @@
           <a:lstStyle/>
           <a:p>
             <a:r>
-              <a:rPr lang="en-US" altLang="ko-KR" dirty="0" err="1" smtClean="0">
-                <a:solidFill>
-                  <a:prstClr val="black"/>
-                </a:solidFill>
-              </a:rPr>
-              <a:t>Kospi</a:t>
-            </a:r>
-            <a:r>
-              <a:rPr lang="en-US" altLang="ko-KR" dirty="0" smtClean="0">
-                <a:solidFill>
-                  <a:prstClr val="black"/>
-                </a:solidFill>
-              </a:rPr>
-              <a:t> </a:t>
-            </a:r>
-            <a:r>
-              <a:rPr lang="ko-KR" altLang="en-US" dirty="0" smtClean="0">
-                <a:solidFill>
-                  <a:prstClr val="black"/>
-                </a:solidFill>
-              </a:rPr>
-              <a:t>주가예측 </a:t>
-            </a:r>
-            <a:r>
-              <a:rPr lang="en-US" altLang="ko-KR" dirty="0" smtClean="0">
-                <a:solidFill>
-                  <a:prstClr val="black"/>
-                </a:solidFill>
-              </a:rPr>
-              <a:t>(train – </a:t>
-            </a:r>
-            <a:r>
-              <a:rPr lang="en-US" altLang="ko-KR" dirty="0" err="1" smtClean="0">
-                <a:solidFill>
-                  <a:prstClr val="black"/>
-                </a:solidFill>
-              </a:rPr>
-              <a:t>kospi</a:t>
-            </a:r>
-            <a:r>
-              <a:rPr lang="en-US" altLang="ko-KR" dirty="0" smtClean="0">
-                <a:solidFill>
-                  <a:prstClr val="black"/>
-                </a:solidFill>
-              </a:rPr>
-              <a:t>, test –</a:t>
-            </a:r>
-            <a:r>
-              <a:rPr lang="en-US" altLang="ko-KR" dirty="0" err="1" smtClean="0">
-                <a:solidFill>
-                  <a:prstClr val="black"/>
-                </a:solidFill>
-              </a:rPr>
-              <a:t>kospi</a:t>
-            </a:r>
-            <a:r>
-              <a:rPr lang="en-US" altLang="ko-KR" dirty="0" smtClean="0">
-                <a:solidFill>
-                  <a:prstClr val="black"/>
-                </a:solidFill>
-              </a:rPr>
-              <a:t>)</a:t>
-            </a:r>
+              <a:rPr lang="en-US" altLang="ko-KR" dirty="0" smtClean="0"/>
+              <a:t>Test</a:t>
+            </a:r>
+            <a:r>
+              <a:rPr lang="ko-KR" altLang="en-US" dirty="0" smtClean="0"/>
+              <a:t>와 </a:t>
+            </a:r>
+            <a:r>
+              <a:rPr lang="en-US" altLang="ko-KR" dirty="0" smtClean="0"/>
+              <a:t>train </a:t>
+            </a:r>
+            <a:r>
+              <a:rPr lang="ko-KR" altLang="en-US" dirty="0" err="1" smtClean="0"/>
+              <a:t>데이터셋</a:t>
+            </a:r>
+            <a:r>
+              <a:rPr lang="ko-KR" altLang="en-US" dirty="0" smtClean="0"/>
+              <a:t> 분리</a:t>
+            </a:r>
+            <a:endParaRPr lang="ko-KR" altLang="en-US" dirty="0"/>
           </a:p>
         </p:txBody>
       </p:sp>
     </p:spTree>
     <p:extLst>
       <p:ext uri="{BB962C8B-B14F-4D97-AF65-F5344CB8AC3E}">
-        <p14:creationId xmlns:p14="http://schemas.microsoft.com/office/powerpoint/2010/main" val="242043776"/>
+        <p14:creationId xmlns:p14="http://schemas.microsoft.com/office/powerpoint/2010/main" val="2746043316"/>
       </p:ext>
     </p:extLst>
   </p:cSld>
@@ -3980,7 +4140,7 @@
         <p:spPr>
           <a:xfrm>
             <a:off x="559724" y="257839"/>
-            <a:ext cx="7844443" cy="689812"/>
+            <a:ext cx="6156959" cy="689812"/>
           </a:xfrm>
         </p:spPr>
         <p:txBody>
@@ -3991,16 +4151,8 @@
           <a:p>
             <a:pPr algn="l"/>
             <a:r>
-              <a:rPr lang="ko-KR" altLang="en-US" sz="3600" dirty="0" smtClean="0"/>
-              <a:t>데이터 모델링 후 결과 </a:t>
-            </a:r>
-            <a:r>
-              <a:rPr lang="en-US" altLang="ko-KR" sz="3600" dirty="0" smtClean="0"/>
-              <a:t>-</a:t>
-            </a:r>
-            <a:r>
-              <a:rPr lang="ko-KR" altLang="en-US" sz="3600" dirty="0" smtClean="0"/>
-              <a:t>삼성전자만</a:t>
+              <a:rPr lang="ko-KR" altLang="en-US" sz="3600" smtClean="0"/>
+              <a:t>데이터 모델링 전 수치입력</a:t>
             </a:r>
             <a:endParaRPr lang="ko-KR" altLang="en-US" sz="3600" dirty="0"/>
           </a:p>
@@ -4008,9 +4160,9 @@
       </p:sp>
       <p:pic>
         <p:nvPicPr>
-          <p:cNvPr id="3" name="그림 2"/>
+          <p:cNvPr id="3074" name="Picture 2"/>
           <p:cNvPicPr>
-            <a:picLocks noChangeAspect="1"/>
+            <a:picLocks noChangeAspect="1" noChangeArrowheads="1"/>
           </p:cNvPicPr>
           <p:nvPr/>
         </p:nvPicPr>
@@ -4022,35 +4174,59 @@
               </a:ext>
             </a:extLst>
           </a:blip>
+          <a:srcRect/>
           <a:stretch>
             <a:fillRect/>
           </a:stretch>
         </p:blipFill>
-        <p:spPr>
-          <a:xfrm>
-            <a:off x="559724" y="1886989"/>
-            <a:ext cx="5008926" cy="3689294"/>
-          </a:xfrm>
-          <a:prstGeom prst="rect">
-            <a:avLst/>
-          </a:prstGeom>
-        </p:spPr>
-      </p:pic>
-      <p:sp>
-        <p:nvSpPr>
-          <p:cNvPr id="5" name="TextBox 4"/>
-          <p:cNvSpPr txBox="1"/>
-          <p:nvPr/>
-        </p:nvSpPr>
-        <p:spPr>
-          <a:xfrm>
-            <a:off x="6019437" y="2267727"/>
-            <a:ext cx="5001490" cy="646331"/>
+        <p:spPr bwMode="auto">
+          <a:xfrm>
+            <a:off x="515103" y="1058779"/>
+            <a:ext cx="6124575" cy="5334000"/>
           </a:xfrm>
           <a:prstGeom prst="rect">
             <a:avLst/>
           </a:prstGeom>
           <a:noFill/>
+          <a:ln>
+            <a:noFill/>
+          </a:ln>
+          <a:extLst>
+            <a:ext uri="{909E8E84-426E-40DD-AFC4-6F175D3DCCD1}">
+              <a14:hiddenFill xmlns:a14="http://schemas.microsoft.com/office/drawing/2010/main">
+                <a:solidFill>
+                  <a:schemeClr val="accent1"/>
+                </a:solidFill>
+              </a14:hiddenFill>
+            </a:ext>
+            <a:ext uri="{91240B29-F687-4F45-9708-019B960494DF}">
+              <a14:hiddenLine xmlns:a14="http://schemas.microsoft.com/office/drawing/2010/main" w="9525">
+                <a:solidFill>
+                  <a:schemeClr val="tx1"/>
+                </a:solidFill>
+                <a:miter lim="800000"/>
+                <a:headEnd/>
+                <a:tailEnd/>
+              </a14:hiddenLine>
+            </a:ext>
+          </a:extLst>
+        </p:spPr>
+      </p:pic>
+      <p:sp>
+        <p:nvSpPr>
+          <p:cNvPr id="4" name="TextBox 3"/>
+          <p:cNvSpPr txBox="1"/>
+          <p:nvPr/>
+        </p:nvSpPr>
+        <p:spPr>
+          <a:xfrm>
+            <a:off x="6986337" y="1860884"/>
+            <a:ext cx="4668252" cy="923330"/>
+          </a:xfrm>
+          <a:prstGeom prst="rect">
+            <a:avLst/>
+          </a:prstGeom>
+          <a:noFill/>
         </p:spPr>
         <p:txBody>
           <a:bodyPr wrap="square" rtlCol="0">
@@ -4059,94 +4235,43 @@
           <a:lstStyle/>
           <a:p>
             <a:r>
-              <a:rPr lang="ko-KR" altLang="en-US" dirty="0" smtClean="0">
-                <a:solidFill>
-                  <a:prstClr val="black"/>
-                </a:solidFill>
-              </a:rPr>
-              <a:t>삼성전</a:t>
-            </a:r>
-            <a:r>
-              <a:rPr lang="ko-KR" altLang="en-US" dirty="0">
-                <a:solidFill>
-                  <a:prstClr val="black"/>
-                </a:solidFill>
-              </a:rPr>
-              <a:t>자</a:t>
-            </a:r>
-            <a:r>
-              <a:rPr lang="en-US" altLang="ko-KR" dirty="0" smtClean="0">
-                <a:solidFill>
-                  <a:prstClr val="black"/>
-                </a:solidFill>
-              </a:rPr>
-              <a:t> </a:t>
-            </a:r>
-            <a:r>
-              <a:rPr lang="ko-KR" altLang="en-US" dirty="0" smtClean="0">
-                <a:solidFill>
-                  <a:prstClr val="black"/>
-                </a:solidFill>
-              </a:rPr>
-              <a:t>주가예측 </a:t>
-            </a:r>
-            <a:r>
-              <a:rPr lang="en-US" altLang="ko-KR" dirty="0" smtClean="0">
-                <a:solidFill>
-                  <a:prstClr val="black"/>
-                </a:solidFill>
-              </a:rPr>
-              <a:t>-</a:t>
-            </a:r>
-          </a:p>
-          <a:p>
-            <a:r>
-              <a:rPr lang="en-US" altLang="ko-KR" dirty="0" smtClean="0">
-                <a:solidFill>
-                  <a:prstClr val="black"/>
-                </a:solidFill>
-              </a:rPr>
-              <a:t>(train – </a:t>
-            </a:r>
-            <a:r>
-              <a:rPr lang="en-US" altLang="ko-KR" dirty="0" err="1" smtClean="0">
-                <a:solidFill>
-                  <a:prstClr val="black"/>
-                </a:solidFill>
-              </a:rPr>
-              <a:t>kospi</a:t>
-            </a:r>
-            <a:r>
-              <a:rPr lang="en-US" altLang="ko-KR" dirty="0" smtClean="0">
-                <a:solidFill>
-                  <a:prstClr val="black"/>
-                </a:solidFill>
-              </a:rPr>
-              <a:t>, test –</a:t>
-            </a:r>
-            <a:r>
-              <a:rPr lang="ko-KR" altLang="en-US" dirty="0" smtClean="0">
-                <a:solidFill>
-                  <a:prstClr val="black"/>
-                </a:solidFill>
-              </a:rPr>
-              <a:t>삼성전자</a:t>
-            </a:r>
-            <a:r>
-              <a:rPr lang="en-US" altLang="ko-KR" dirty="0" smtClean="0">
-                <a:solidFill>
-                  <a:prstClr val="black"/>
-                </a:solidFill>
-              </a:rPr>
-              <a:t>)</a:t>
-            </a:r>
+              <a:rPr lang="en-US" altLang="ko-KR" dirty="0" err="1" smtClean="0"/>
+              <a:t>Window_size</a:t>
+            </a:r>
+            <a:r>
+              <a:rPr lang="en-US" altLang="ko-KR" dirty="0" smtClean="0"/>
+              <a:t> = 20 -20</a:t>
+            </a:r>
+            <a:r>
+              <a:rPr lang="ko-KR" altLang="en-US" dirty="0" smtClean="0"/>
+              <a:t>일치 데이터 학습</a:t>
+            </a:r>
+            <a:endParaRPr lang="en-US" altLang="ko-KR" dirty="0" smtClean="0"/>
+          </a:p>
+          <a:p>
+            <a:endParaRPr lang="en-US" altLang="ko-KR" dirty="0"/>
+          </a:p>
+          <a:p>
+            <a:r>
+              <a:rPr lang="en-US" altLang="ko-KR" dirty="0" err="1" smtClean="0"/>
+              <a:t>batch_size</a:t>
+            </a:r>
+            <a:r>
+              <a:rPr lang="en-US" altLang="ko-KR" dirty="0" smtClean="0"/>
+              <a:t> = 32 –</a:t>
+            </a:r>
+            <a:r>
+              <a:rPr lang="ko-KR" altLang="en-US" dirty="0" smtClean="0"/>
+              <a:t>학습에 적절한 크기 </a:t>
+            </a:r>
+            <a:endParaRPr lang="en-US" altLang="ko-KR" dirty="0" smtClean="0"/>
           </a:p>
         </p:txBody>
       </p:sp>
     </p:spTree>
     <p:extLst>
       <p:ext uri="{BB962C8B-B14F-4D97-AF65-F5344CB8AC3E}">
-        <p14:creationId xmlns:p14="http://schemas.microsoft.com/office/powerpoint/2010/main" val="1341807926"/>
+        <p14:creationId xmlns:p14="http://schemas.microsoft.com/office/powerpoint/2010/main" val="201489154"/>
       </p:ext>
     </p:extLst>
   </p:cSld>
@@ -4185,7 +4310,7 @@
         </p:nvSpPr>
         <p:spPr>
           <a:xfrm>
-            <a:off x="559724" y="257839"/>
+            <a:off x="559724" y="322007"/>
             <a:ext cx="6156959" cy="689812"/>
           </a:xfrm>
         </p:spPr>
@@ -4198,7 +4323,7 @@
             <a:pPr algn="l"/>
             <a:r>
               <a:rPr lang="ko-KR" altLang="en-US" sz="3600" dirty="0" smtClean="0"/>
-              <a:t>데이터 모델링 후 결과 </a:t>
+              <a:t>인공지능 모델 및 학습</a:t>
             </a:r>
             <a:endParaRPr lang="ko-KR" altLang="en-US" sz="3600" dirty="0"/>
           </a:p>
@@ -4206,14 +4331,14 @@
       </p:sp>
       <p:sp>
         <p:nvSpPr>
-          <p:cNvPr id="5" name="TextBox 4"/>
+          <p:cNvPr id="3" name="TextBox 2"/>
           <p:cNvSpPr txBox="1"/>
           <p:nvPr/>
         </p:nvSpPr>
         <p:spPr>
           <a:xfrm>
-            <a:off x="7262701" y="2449888"/>
-            <a:ext cx="5001490" cy="646331"/>
+            <a:off x="653353" y="1262954"/>
+            <a:ext cx="5001490" cy="369332"/>
           </a:xfrm>
           <a:prstGeom prst="rect">
             <a:avLst/>
@@ -4227,93 +4352,40 @@
           <a:lstStyle/>
           <a:p>
             <a:r>
+              <a:rPr lang="en-US" altLang="ko-KR" dirty="0">
+                <a:solidFill>
+                  <a:prstClr val="black"/>
+                </a:solidFill>
+              </a:rPr>
+              <a:t>Long Short-Term Memory (LSTM</a:t>
+            </a:r>
+            <a:r>
+              <a:rPr lang="en-US" altLang="ko-KR" dirty="0" smtClean="0">
+                <a:solidFill>
+                  <a:prstClr val="black"/>
+                </a:solidFill>
+              </a:rPr>
+              <a:t>) </a:t>
+            </a:r>
+            <a:r>
               <a:rPr lang="ko-KR" altLang="en-US" dirty="0" smtClean="0">
                 <a:solidFill>
                   <a:prstClr val="black"/>
                 </a:solidFill>
               </a:rPr>
-              <a:t>삼성전</a:t>
-            </a:r>
-            <a:r>
-              <a:rPr lang="ko-KR" altLang="en-US" dirty="0">
-                <a:solidFill>
-                  <a:prstClr val="black"/>
-                </a:solidFill>
-              </a:rPr>
-              <a:t>자</a:t>
-            </a:r>
-            <a:r>
-              <a:rPr lang="en-US" altLang="ko-KR" dirty="0" smtClean="0">
-                <a:solidFill>
-                  <a:prstClr val="black"/>
-                </a:solidFill>
-              </a:rPr>
-              <a:t> </a:t>
-            </a:r>
-            <a:r>
-              <a:rPr lang="ko-KR" altLang="en-US" dirty="0" smtClean="0">
-                <a:solidFill>
-                  <a:prstClr val="black"/>
-                </a:solidFill>
-              </a:rPr>
-              <a:t>주가예측 </a:t>
-            </a:r>
-            <a:r>
-              <a:rPr lang="en-US" altLang="ko-KR" dirty="0" smtClean="0">
-                <a:solidFill>
-                  <a:prstClr val="black"/>
-                </a:solidFill>
-              </a:rPr>
-              <a:t>-</a:t>
-            </a:r>
-          </a:p>
-          <a:p>
-            <a:r>
-              <a:rPr lang="en-US" altLang="ko-KR" dirty="0" smtClean="0">
-                <a:solidFill>
-                  <a:prstClr val="black"/>
-                </a:solidFill>
-              </a:rPr>
-              <a:t>(train – </a:t>
-            </a:r>
-            <a:r>
-              <a:rPr lang="en-US" altLang="ko-KR" dirty="0" err="1" smtClean="0">
-                <a:solidFill>
-                  <a:prstClr val="black"/>
-                </a:solidFill>
-              </a:rPr>
-              <a:t>kospi</a:t>
-            </a:r>
-            <a:r>
-              <a:rPr lang="en-US" altLang="ko-KR" dirty="0" smtClean="0">
-                <a:solidFill>
-                  <a:prstClr val="black"/>
-                </a:solidFill>
-              </a:rPr>
-              <a:t>, test –</a:t>
-            </a:r>
-            <a:r>
-              <a:rPr lang="ko-KR" altLang="en-US" dirty="0" smtClean="0">
-                <a:solidFill>
-                  <a:prstClr val="black"/>
-                </a:solidFill>
-              </a:rPr>
-              <a:t>삼성전자</a:t>
-            </a:r>
-            <a:r>
-              <a:rPr lang="en-US" altLang="ko-KR" dirty="0" smtClean="0">
-                <a:solidFill>
-                  <a:prstClr val="black"/>
-                </a:solidFill>
-              </a:rPr>
-              <a:t>)</a:t>
-            </a:r>
+              <a:t>모델 이용</a:t>
+            </a:r>
+            <a:endParaRPr lang="en-US" altLang="ko-KR" dirty="0" smtClean="0">
+              <a:solidFill>
+                <a:prstClr val="black"/>
+              </a:solidFill>
+            </a:endParaRPr>
           </a:p>
         </p:txBody>
       </p:sp>
       <p:pic>
         <p:nvPicPr>
-          <p:cNvPr id="1026" name="Picture 2" descr="C:\Users\KOSTA\Downloads\삼성전자-테스트.png"/>
+          <p:cNvPr id="1026" name="Picture 2" descr="C:\Users\KOSTA\Downloads\kospi 확인.png"/>
           <p:cNvPicPr>
             <a:picLocks noChangeAspect="1" noChangeArrowheads="1"/>
           </p:cNvPicPr>
@@ -4334,8 +4406,8 @@
         </p:blipFill>
         <p:spPr bwMode="auto">
           <a:xfrm>
-            <a:off x="506245" y="1664006"/>
-            <a:ext cx="5710071" cy="4205984"/>
+            <a:off x="653352" y="1863117"/>
+            <a:ext cx="5225465" cy="3811246"/>
           </a:xfrm>
           <a:prstGeom prst="rect">
             <a:avLst/>
@@ -4352,10 +4424,99 @@
           </a:extLst>
         </p:spPr>
       </p:pic>
+      <p:sp>
+        <p:nvSpPr>
+          <p:cNvPr id="7" name="TextBox 6"/>
+          <p:cNvSpPr txBox="1"/>
+          <p:nvPr/>
+        </p:nvSpPr>
+        <p:spPr>
+          <a:xfrm>
+            <a:off x="6131732" y="2129228"/>
+            <a:ext cx="5001490" cy="369332"/>
+          </a:xfrm>
+          <a:prstGeom prst="rect">
+            <a:avLst/>
+          </a:prstGeom>
+          <a:noFill/>
+        </p:spPr>
+        <p:txBody>
+          <a:bodyPr wrap="square" rtlCol="0">
+            <a:spAutoFit/>
+          </a:bodyPr>
+          <a:lstStyle/>
+          <a:p>
+            <a:r>
+              <a:rPr lang="en-US" altLang="ko-KR" dirty="0" err="1" smtClean="0">
+                <a:solidFill>
+                  <a:prstClr val="black"/>
+                </a:solidFill>
+              </a:rPr>
+              <a:t>Kospi</a:t>
+            </a:r>
+            <a:r>
+              <a:rPr lang="en-US" altLang="ko-KR" dirty="0" smtClean="0">
+                <a:solidFill>
+                  <a:prstClr val="black"/>
+                </a:solidFill>
+              </a:rPr>
+              <a:t> </a:t>
+            </a:r>
+            <a:r>
+              <a:rPr lang="ko-KR" altLang="en-US" dirty="0" smtClean="0">
+                <a:solidFill>
+                  <a:prstClr val="black"/>
+                </a:solidFill>
+              </a:rPr>
+              <a:t>주가예측 </a:t>
+            </a:r>
+            <a:r>
+              <a:rPr lang="en-US" altLang="ko-KR" dirty="0" smtClean="0">
+                <a:solidFill>
+                  <a:prstClr val="black"/>
+                </a:solidFill>
+              </a:rPr>
+              <a:t>(train – </a:t>
+            </a:r>
+            <a:r>
+              <a:rPr lang="en-US" altLang="ko-KR" dirty="0" err="1" smtClean="0">
+                <a:solidFill>
+                  <a:prstClr val="black"/>
+                </a:solidFill>
+              </a:rPr>
+              <a:t>kospi</a:t>
+            </a:r>
+            <a:r>
+              <a:rPr lang="en-US" altLang="ko-KR" dirty="0" smtClean="0">
+                <a:solidFill>
+                  <a:prstClr val="black"/>
+                </a:solidFill>
+              </a:rPr>
+              <a:t>, test –</a:t>
+            </a:r>
+            <a:r>
+              <a:rPr lang="en-US" altLang="ko-KR" dirty="0" err="1" smtClean="0">
+                <a:solidFill>
+                  <a:prstClr val="black"/>
+                </a:solidFill>
+              </a:rPr>
+              <a:t>kospi</a:t>
+            </a:r>
+            <a:r>
+              <a:rPr lang="en-US" altLang="ko-KR" dirty="0" smtClean="0">
+                <a:solidFill>
+                  <a:prstClr val="black"/>
+                </a:solidFill>
+              </a:rPr>
+              <a:t>)</a:t>
+            </a:r>
+          </a:p>
+        </p:txBody>
+      </p:sp>
     </p:spTree>
     <p:extLst>
       <p:ext uri="{BB962C8B-B14F-4D97-AF65-F5344CB8AC3E}">
-        <p14:creationId xmlns:p14="http://schemas.microsoft.com/office/powerpoint/2010/main" val="1099516764"/>
+        <p14:creationId xmlns:p14="http://schemas.microsoft.com/office/powerpoint/2010/main" val="242043776"/>
       </p:ext>
     </p:extLst>
   </p:cSld>
@@ -4384,14 +4545,83 @@
       </p:grpSpPr>
       <p:sp>
         <p:nvSpPr>
-          <p:cNvPr id="10" name="TextBox 9"/>
+          <p:cNvPr id="6" name="제목 1"/>
+          <p:cNvSpPr>
+            <a:spLocks noGrp="1"/>
+          </p:cNvSpPr>
+          <p:nvPr>
+            <p:ph type="ctrTitle"/>
+          </p:nvPr>
+        </p:nvSpPr>
+        <p:spPr>
+          <a:xfrm>
+            <a:off x="559724" y="257839"/>
+            <a:ext cx="7844443" cy="689812"/>
+          </a:xfrm>
+        </p:spPr>
+        <p:txBody>
+          <a:bodyPr>
+            <a:noAutofit/>
+          </a:bodyPr>
+          <a:lstStyle/>
+          <a:p>
+            <a:pPr algn="l"/>
+            <a:r>
+              <a:rPr lang="ko-KR" altLang="en-US" sz="3600" dirty="0" smtClean="0"/>
+              <a:t>데이터 모델링 후 결과 </a:t>
+            </a:r>
+            <a:r>
+              <a:rPr lang="en-US" altLang="ko-KR" sz="3600" dirty="0" smtClean="0"/>
+              <a:t>-</a:t>
+            </a:r>
+            <a:r>
+              <a:rPr lang="ko-KR" altLang="en-US" sz="3600" dirty="0" smtClean="0"/>
+              <a:t>삼성전자만</a:t>
+            </a:r>
+            <a:endParaRPr lang="ko-KR" altLang="en-US" sz="3600" dirty="0"/>
+          </a:p>
+        </p:txBody>
+      </p:sp>
+      <p:pic>
+        <p:nvPicPr>
+          <p:cNvPr id="3" name="그림 2"/>
+          <p:cNvPicPr>
+            <a:picLocks noChangeAspect="1"/>
+          </p:cNvPicPr>
+          <p:nvPr/>
+        </p:nvPicPr>
+        <p:blipFill>
+          <a:blip r:embed="rId2">
+            <a:extLst>
+              <a:ext uri="{28A0092B-C50C-407E-A947-70E740481C1C}">
+                <a14:useLocalDpi xmlns:a14="http://schemas.microsoft.com/office/drawing/2010/main" val="0"/>
+              </a:ext>
+            </a:extLst>
+          </a:blip>
+          <a:stretch>
+            <a:fillRect/>
+          </a:stretch>
+        </p:blipFill>
+        <p:spPr>
+          <a:xfrm>
+            <a:off x="559724" y="1886989"/>
+            <a:ext cx="5008926" cy="3689294"/>
+          </a:xfrm>
+          <a:prstGeom prst="rect">
+            <a:avLst/>
+          </a:prstGeom>
+        </p:spPr>
+      </p:pic>
+      <p:sp>
+        <p:nvSpPr>
+          <p:cNvPr id="5" name="TextBox 4"/>
           <p:cNvSpPr txBox="1"/>
           <p:nvPr/>
         </p:nvSpPr>
         <p:spPr>
           <a:xfrm>
-            <a:off x="4073235" y="2776450"/>
-            <a:ext cx="5128953" cy="769441"/>
+            <a:off x="6019437" y="2267727"/>
+            <a:ext cx="5001490" cy="646331"/>
           </a:xfrm>
           <a:prstGeom prst="rect">
             <a:avLst/>
@@ -4405,21 +4635,94 @@
           <a:lstStyle/>
           <a:p>
             <a:r>
-              <a:rPr lang="ko-KR" altLang="en-US" sz="4400" dirty="0" smtClean="0"/>
-              <a:t>감사합니다</a:t>
-            </a:r>
-            <a:r>
-              <a:rPr lang="en-US" altLang="ko-KR" sz="4400" dirty="0" smtClean="0"/>
-              <a:t>.</a:t>
-            </a:r>
-            <a:endParaRPr lang="ko-KR" altLang="en-US" sz="4400" dirty="0"/>
+              <a:rPr lang="ko-KR" altLang="en-US" dirty="0" smtClean="0">
+                <a:solidFill>
+                  <a:prstClr val="black"/>
+                </a:solidFill>
+              </a:rPr>
+              <a:t>삼성전</a:t>
+            </a:r>
+            <a:r>
+              <a:rPr lang="ko-KR" altLang="en-US" dirty="0">
+                <a:solidFill>
+                  <a:prstClr val="black"/>
+                </a:solidFill>
+              </a:rPr>
+              <a:t>자</a:t>
+            </a:r>
+            <a:r>
+              <a:rPr lang="en-US" altLang="ko-KR" dirty="0" smtClean="0">
+                <a:solidFill>
+                  <a:prstClr val="black"/>
+                </a:solidFill>
+              </a:rPr>
+              <a:t> </a:t>
+            </a:r>
+            <a:r>
+              <a:rPr lang="ko-KR" altLang="en-US" dirty="0" smtClean="0">
+                <a:solidFill>
+                  <a:prstClr val="black"/>
+                </a:solidFill>
+              </a:rPr>
+              <a:t>주가예측 </a:t>
+            </a:r>
+            <a:r>
+              <a:rPr lang="en-US" altLang="ko-KR" dirty="0" smtClean="0">
+                <a:solidFill>
+                  <a:prstClr val="black"/>
+                </a:solidFill>
+              </a:rPr>
+              <a:t>-</a:t>
+            </a:r>
+          </a:p>
+          <a:p>
+            <a:r>
+              <a:rPr lang="en-US" altLang="ko-KR" dirty="0" smtClean="0">
+                <a:solidFill>
+                  <a:prstClr val="black"/>
+                </a:solidFill>
+              </a:rPr>
+              <a:t>(train – </a:t>
+            </a:r>
+            <a:r>
+              <a:rPr lang="en-US" altLang="ko-KR" dirty="0" err="1" smtClean="0">
+                <a:solidFill>
+                  <a:prstClr val="black"/>
+                </a:solidFill>
+              </a:rPr>
+              <a:t>kospi</a:t>
+            </a:r>
+            <a:r>
+              <a:rPr lang="en-US" altLang="ko-KR" dirty="0" smtClean="0">
+                <a:solidFill>
+                  <a:prstClr val="black"/>
+                </a:solidFill>
+              </a:rPr>
+              <a:t>, test –</a:t>
+            </a:r>
+            <a:r>
+              <a:rPr lang="ko-KR" altLang="en-US" dirty="0" smtClean="0">
+                <a:solidFill>
+                  <a:prstClr val="black"/>
+                </a:solidFill>
+              </a:rPr>
+              <a:t>삼성전자</a:t>
+            </a:r>
+            <a:r>
+              <a:rPr lang="en-US" altLang="ko-KR" dirty="0" smtClean="0">
+                <a:solidFill>
+                  <a:prstClr val="black"/>
+                </a:solidFill>
+              </a:rPr>
+              <a:t>)</a:t>
+            </a:r>
           </a:p>
         </p:txBody>
       </p:sp>
     </p:spTree>
     <p:extLst>
       <p:ext uri="{BB962C8B-B14F-4D97-AF65-F5344CB8AC3E}">
-        <p14:creationId xmlns:p14="http://schemas.microsoft.com/office/powerpoint/2010/main" val="899177345"/>
+        <p14:creationId xmlns:p14="http://schemas.microsoft.com/office/powerpoint/2010/main" val="1341807926"/>
       </p:ext>
     </p:extLst>
   </p:cSld>
@@ -4684,7 +4987,7 @@
   <a:extraClrSchemeLst/>
   <a:extLst>
     <a:ext uri="{05A4C25C-085E-4340-85A3-A5531E510DB2}">
-      <thm15:themeFamily xmlns:thm15="http://schemas.microsoft.com/office/thememl/2012/main" xmlns="" name="Office Theme" id="{62F939B6-93AF-4DB8-9C6B-D6C7DFDC589F}" vid="{4A3C46E8-61CC-4603-A589-7422A47A8E4A}"/>
+      <thm15:themeFamily xmlns="" xmlns:thm15="http://schemas.microsoft.com/office/thememl/2012/main" name="Office Theme" id="{62F939B6-93AF-4DB8-9C6B-D6C7DFDC589F}" vid="{4A3C46E8-61CC-4603-A589-7422A47A8E4A}"/>
     </a:ext>
   </a:extLst>
 </a:theme>

--- a/인공지능을 통한 주가예측.pptx
+++ b/인공지능을 통한 주가예측.pptx
@@ -3836,52 +3836,6 @@
           </a:p>
         </p:txBody>
       </p:sp>
-      <p:sp>
-        <p:nvSpPr>
-          <p:cNvPr id="8" name="TextBox 7"/>
-          <p:cNvSpPr txBox="1"/>
-          <p:nvPr/>
-        </p:nvSpPr>
-        <p:spPr>
-          <a:xfrm>
-            <a:off x="597206" y="1057874"/>
-            <a:ext cx="5001490" cy="369332"/>
-          </a:xfrm>
-          <a:prstGeom prst="rect">
-            <a:avLst/>
-          </a:prstGeom>
-          <a:noFill/>
-        </p:spPr>
-        <p:txBody>
-          <a:bodyPr wrap="square" rtlCol="0">
-            <a:spAutoFit/>
-          </a:bodyPr>
-          <a:lstStyle/>
-          <a:p>
-            <a:r>
-              <a:rPr lang="en-US" altLang="ko-KR" dirty="0" smtClean="0">
-                <a:solidFill>
-                  <a:prstClr val="black"/>
-                </a:solidFill>
-              </a:rPr>
-              <a:t>RNN </a:t>
-            </a:r>
-            <a:r>
-              <a:rPr lang="ko-KR" altLang="en-US" dirty="0" smtClean="0">
-                <a:solidFill>
-                  <a:prstClr val="black"/>
-                </a:solidFill>
-              </a:rPr>
-              <a:t>모델 이용 </a:t>
-            </a:r>
-            <a:endParaRPr lang="en-US" altLang="ko-KR" dirty="0" smtClean="0">
-              <a:solidFill>
-                <a:prstClr val="black"/>
-              </a:solidFill>
-            </a:endParaRPr>
-          </a:p>
-        </p:txBody>
-      </p:sp>
       <p:pic>
         <p:nvPicPr>
           <p:cNvPr id="1026" name="Picture 2"/>
@@ -4987,7 +4941,7 @@
   <a:extraClrSchemeLst/>
   <a:extLst>
     <a:ext uri="{05A4C25C-085E-4340-85A3-A5531E510DB2}">
-      <thm15:themeFamily xmlns="" xmlns:thm15="http://schemas.microsoft.com/office/thememl/2012/main" name="Office Theme" id="{62F939B6-93AF-4DB8-9C6B-D6C7DFDC589F}" vid="{4A3C46E8-61CC-4603-A589-7422A47A8E4A}"/>
+      <thm15:themeFamily xmlns:thm15="http://schemas.microsoft.com/office/thememl/2012/main" xmlns="" name="Office Theme" id="{62F939B6-93AF-4DB8-9C6B-D6C7DFDC589F}" vid="{4A3C46E8-61CC-4603-A589-7422A47A8E4A}"/>
     </a:ext>
   </a:extLst>
 </a:theme>

--- a/인공지능을 통한 주가예측.pptx
+++ b/인공지능을 통한 주가예측.pptx
@@ -3836,6 +3836,52 @@
           </a:p>
         </p:txBody>
       </p:sp>
+      <p:sp>
+        <p:nvSpPr>
+          <p:cNvPr id="8" name="TextBox 7"/>
+          <p:cNvSpPr txBox="1"/>
+          <p:nvPr/>
+        </p:nvSpPr>
+        <p:spPr>
+          <a:xfrm>
+            <a:off x="597206" y="1057874"/>
+            <a:ext cx="5001490" cy="369332"/>
+          </a:xfrm>
+          <a:prstGeom prst="rect">
+            <a:avLst/>
+          </a:prstGeom>
+          <a:noFill/>
+        </p:spPr>
+        <p:txBody>
+          <a:bodyPr wrap="square" rtlCol="0">
+            <a:spAutoFit/>
+          </a:bodyPr>
+          <a:lstStyle/>
+          <a:p>
+            <a:r>
+              <a:rPr lang="en-US" altLang="ko-KR" dirty="0" smtClean="0">
+                <a:solidFill>
+                  <a:prstClr val="black"/>
+                </a:solidFill>
+              </a:rPr>
+              <a:t>RNN </a:t>
+            </a:r>
+            <a:r>
+              <a:rPr lang="ko-KR" altLang="en-US" dirty="0" smtClean="0">
+                <a:solidFill>
+                  <a:prstClr val="black"/>
+                </a:solidFill>
+              </a:rPr>
+              <a:t>모델 이용 </a:t>
+            </a:r>
+            <a:endParaRPr lang="en-US" altLang="ko-KR" dirty="0" smtClean="0">
+              <a:solidFill>
+                <a:prstClr val="black"/>
+              </a:solidFill>
+            </a:endParaRPr>
+          </a:p>
+        </p:txBody>
+      </p:sp>
       <p:pic>
         <p:nvPicPr>
           <p:cNvPr id="1026" name="Picture 2"/>
@@ -4941,7 +4987,7 @@
   <a:extraClrSchemeLst/>
   <a:extLst>
     <a:ext uri="{05A4C25C-085E-4340-85A3-A5531E510DB2}">
-      <thm15:themeFamily xmlns:thm15="http://schemas.microsoft.com/office/thememl/2012/main" xmlns="" name="Office Theme" id="{62F939B6-93AF-4DB8-9C6B-D6C7DFDC589F}" vid="{4A3C46E8-61CC-4603-A589-7422A47A8E4A}"/>
+      <thm15:themeFamily xmlns="" xmlns:thm15="http://schemas.microsoft.com/office/thememl/2012/main" name="Office Theme" id="{62F939B6-93AF-4DB8-9C6B-D6C7DFDC589F}" vid="{4A3C46E8-61CC-4603-A589-7422A47A8E4A}"/>
     </a:ext>
   </a:extLst>
 </a:theme>

--- a/인공지능을 통한 주가예측.pptx
+++ b/인공지능을 통한 주가예측.pptx
@@ -3683,7 +3683,7 @@
         </p:nvSpPr>
         <p:spPr>
           <a:xfrm>
-            <a:off x="597206" y="1057874"/>
+            <a:off x="6276111" y="1057874"/>
             <a:ext cx="5001490" cy="369332"/>
           </a:xfrm>
           <a:prstGeom prst="rect">
@@ -3711,7 +3711,23 @@
                   <a:prstClr val="black"/>
                 </a:solidFill>
               </a:rPr>
-              <a:t>모델 이용 </a:t>
+              <a:t>모델 이용 학습 </a:t>
+            </a:r>
+            <a:r>
+              <a:rPr lang="en-US" altLang="ko-KR" dirty="0" smtClean="0">
+                <a:solidFill>
+                  <a:prstClr val="black"/>
+                </a:solidFill>
+              </a:rPr>
+              <a:t>-</a:t>
+            </a:r>
+            <a:r>
+              <a:rPr lang="ko-KR" altLang="en-US" dirty="0" smtClean="0">
+                <a:solidFill>
+                  <a:prstClr val="black"/>
+                </a:solidFill>
+              </a:rPr>
+              <a:t>실패 </a:t>
             </a:r>
             <a:endParaRPr lang="en-US" altLang="ko-KR" dirty="0" smtClean="0">
               <a:solidFill>
@@ -3729,8 +3745,8 @@
         </p:nvSpPr>
         <p:spPr>
           <a:xfrm>
-            <a:off x="6211942" y="1594743"/>
-            <a:ext cx="5001490" cy="646331"/>
+            <a:off x="6211942" y="2084027"/>
+            <a:ext cx="5001490" cy="1754326"/>
           </a:xfrm>
           <a:prstGeom prst="rect">
             <a:avLst/>
@@ -3744,6 +3760,14 @@
           <a:lstStyle/>
           <a:p>
             <a:r>
+              <a:rPr lang="en-US" altLang="ko-KR" dirty="0" smtClean="0">
+                <a:solidFill>
+                  <a:prstClr val="black"/>
+                </a:solidFill>
+              </a:rPr>
+              <a:t>1. </a:t>
+            </a:r>
+            <a:r>
               <a:rPr lang="en-US" altLang="ko-KR" dirty="0" err="1" smtClean="0">
                 <a:solidFill>
                   <a:prstClr val="black"/>
@@ -3766,6 +3790,96 @@
                 </a:solidFill>
               </a:rPr>
               <a:t>않됨</a:t>
+            </a:r>
+            <a:r>
+              <a:rPr lang="en-US" altLang="ko-KR" dirty="0" smtClean="0">
+                <a:solidFill>
+                  <a:prstClr val="black"/>
+                </a:solidFill>
+              </a:rPr>
+              <a:t>.</a:t>
+            </a:r>
+          </a:p>
+          <a:p>
+            <a:endParaRPr lang="en-US" altLang="ko-KR" dirty="0">
+              <a:solidFill>
+                <a:prstClr val="black"/>
+              </a:solidFill>
+            </a:endParaRPr>
+          </a:p>
+          <a:p>
+            <a:r>
+              <a:rPr lang="en-US" altLang="ko-KR" dirty="0" smtClean="0">
+                <a:solidFill>
+                  <a:prstClr val="black"/>
+                </a:solidFill>
+              </a:rPr>
+              <a:t>2. </a:t>
+            </a:r>
+            <a:r>
+              <a:rPr lang="en-US" altLang="ko-KR" dirty="0" err="1" smtClean="0">
+                <a:solidFill>
+                  <a:prstClr val="black"/>
+                </a:solidFill>
+              </a:rPr>
+              <a:t>Relu</a:t>
+            </a:r>
+            <a:r>
+              <a:rPr lang="ko-KR" altLang="en-US" dirty="0" smtClean="0">
+                <a:solidFill>
+                  <a:prstClr val="black"/>
+                </a:solidFill>
+              </a:rPr>
+              <a:t>함수에 의한 발산</a:t>
+            </a:r>
+            <a:r>
+              <a:rPr lang="en-US" altLang="ko-KR" dirty="0" smtClean="0">
+                <a:solidFill>
+                  <a:prstClr val="black"/>
+                </a:solidFill>
+              </a:rPr>
+              <a:t>?</a:t>
+            </a:r>
+          </a:p>
+          <a:p>
+            <a:endParaRPr lang="en-US" altLang="ko-KR" dirty="0">
+              <a:solidFill>
+                <a:prstClr val="black"/>
+              </a:solidFill>
+            </a:endParaRPr>
+          </a:p>
+          <a:p>
+            <a:r>
+              <a:rPr lang="en-US" altLang="ko-KR" dirty="0" smtClean="0">
+                <a:solidFill>
+                  <a:prstClr val="black"/>
+                </a:solidFill>
+              </a:rPr>
+              <a:t>3.</a:t>
+            </a:r>
+            <a:r>
+              <a:rPr lang="ko-KR" altLang="en-US" dirty="0" smtClean="0">
+                <a:solidFill>
+                  <a:prstClr val="black"/>
+                </a:solidFill>
+              </a:rPr>
+              <a:t>윈도우</a:t>
+            </a:r>
+            <a:r>
+              <a:rPr lang="en-US" altLang="ko-KR" dirty="0" smtClean="0">
+                <a:solidFill>
+                  <a:prstClr val="black"/>
+                </a:solidFill>
+              </a:rPr>
+              <a:t> </a:t>
+            </a:r>
+            <a:r>
+              <a:rPr lang="ko-KR" altLang="en-US" smtClean="0">
+                <a:solidFill>
+                  <a:prstClr val="black"/>
+                </a:solidFill>
+              </a:rPr>
+              <a:t>사이즈 좀더 작게</a:t>
             </a:r>
             <a:endParaRPr lang="en-US" altLang="ko-KR" dirty="0" smtClean="0">
               <a:solidFill>
@@ -3836,52 +3950,6 @@
           </a:p>
         </p:txBody>
       </p:sp>
-      <p:sp>
-        <p:nvSpPr>
-          <p:cNvPr id="8" name="TextBox 7"/>
-          <p:cNvSpPr txBox="1"/>
-          <p:nvPr/>
-        </p:nvSpPr>
-        <p:spPr>
-          <a:xfrm>
-            <a:off x="597206" y="1057874"/>
-            <a:ext cx="5001490" cy="369332"/>
-          </a:xfrm>
-          <a:prstGeom prst="rect">
-            <a:avLst/>
-          </a:prstGeom>
-          <a:noFill/>
-        </p:spPr>
-        <p:txBody>
-          <a:bodyPr wrap="square" rtlCol="0">
-            <a:spAutoFit/>
-          </a:bodyPr>
-          <a:lstStyle/>
-          <a:p>
-            <a:r>
-              <a:rPr lang="en-US" altLang="ko-KR" dirty="0" smtClean="0">
-                <a:solidFill>
-                  <a:prstClr val="black"/>
-                </a:solidFill>
-              </a:rPr>
-              <a:t>RNN </a:t>
-            </a:r>
-            <a:r>
-              <a:rPr lang="ko-KR" altLang="en-US" dirty="0" smtClean="0">
-                <a:solidFill>
-                  <a:prstClr val="black"/>
-                </a:solidFill>
-              </a:rPr>
-              <a:t>모델 이용 </a:t>
-            </a:r>
-            <a:endParaRPr lang="en-US" altLang="ko-KR" dirty="0" smtClean="0">
-              <a:solidFill>
-                <a:prstClr val="black"/>
-              </a:solidFill>
-            </a:endParaRPr>
-          </a:p>
-        </p:txBody>
-      </p:sp>
       <p:pic>
         <p:nvPicPr>
           <p:cNvPr id="1026" name="Picture 2"/>
@@ -3905,7 +3973,7 @@
         </p:blipFill>
         <p:spPr bwMode="auto">
           <a:xfrm>
-            <a:off x="597206" y="1622561"/>
+            <a:off x="541058" y="1405992"/>
             <a:ext cx="3919287" cy="4861555"/>
           </a:xfrm>
           <a:prstGeom prst="rect">
@@ -3936,6 +4004,94 @@
           </a:extLst>
         </p:spPr>
       </p:pic>
+      <p:sp>
+        <p:nvSpPr>
+          <p:cNvPr id="2" name="TextBox 1"/>
+          <p:cNvSpPr txBox="1"/>
+          <p:nvPr/>
+        </p:nvSpPr>
+        <p:spPr>
+          <a:xfrm>
+            <a:off x="5783178" y="1865515"/>
+            <a:ext cx="5438275" cy="923330"/>
+          </a:xfrm>
+          <a:prstGeom prst="rect">
+            <a:avLst/>
+          </a:prstGeom>
+          <a:noFill/>
+        </p:spPr>
+        <p:txBody>
+          <a:bodyPr wrap="square" rtlCol="0">
+            <a:spAutoFit/>
+          </a:bodyPr>
+          <a:lstStyle/>
+          <a:p>
+            <a:r>
+              <a:rPr lang="en-US" altLang="ko-KR" dirty="0" err="1" smtClean="0"/>
+              <a:t>Datareader</a:t>
+            </a:r>
+            <a:r>
+              <a:rPr lang="en-US" altLang="ko-KR" dirty="0" smtClean="0"/>
+              <a:t>(‘</a:t>
+            </a:r>
+            <a:r>
+              <a:rPr lang="ko-KR" altLang="en-US" dirty="0" smtClean="0"/>
+              <a:t>종목코드</a:t>
+            </a:r>
+            <a:r>
+              <a:rPr lang="en-US" altLang="ko-KR" dirty="0" smtClean="0"/>
+              <a:t>’, ‘</a:t>
+            </a:r>
+            <a:r>
+              <a:rPr lang="ko-KR" altLang="en-US" dirty="0" smtClean="0"/>
+              <a:t>시작날짜</a:t>
+            </a:r>
+            <a:r>
+              <a:rPr lang="en-US" altLang="ko-KR" dirty="0" smtClean="0"/>
+              <a:t>’, ‘</a:t>
+            </a:r>
+            <a:r>
+              <a:rPr lang="ko-KR" altLang="en-US" dirty="0" err="1" smtClean="0"/>
+              <a:t>마지막날짜</a:t>
+            </a:r>
+            <a:r>
+              <a:rPr lang="en-US" altLang="ko-KR" dirty="0" smtClean="0"/>
+              <a:t>’)</a:t>
+            </a:r>
+            <a:r>
+              <a:rPr lang="ko-KR" altLang="en-US" dirty="0" smtClean="0"/>
+              <a:t> </a:t>
+            </a:r>
+            <a:endParaRPr lang="en-US" altLang="ko-KR" dirty="0" smtClean="0"/>
+          </a:p>
+          <a:p>
+            <a:endParaRPr lang="en-US" altLang="ko-KR" dirty="0" smtClean="0"/>
+          </a:p>
+          <a:p>
+            <a:r>
+              <a:rPr lang="ko-KR" altLang="en-US" dirty="0" err="1" smtClean="0"/>
+              <a:t>코스피</a:t>
+            </a:r>
+            <a:r>
+              <a:rPr lang="ko-KR" altLang="en-US" dirty="0" smtClean="0"/>
+              <a:t> </a:t>
+            </a:r>
+            <a:r>
+              <a:rPr lang="ko-KR" altLang="en-US" dirty="0" smtClean="0"/>
+              <a:t>정보</a:t>
+            </a:r>
+            <a:r>
+              <a:rPr lang="en-US" altLang="ko-KR" dirty="0" smtClean="0"/>
+              <a:t> 2013~2019</a:t>
+            </a:r>
+            <a:r>
+              <a:rPr lang="ko-KR" altLang="en-US" dirty="0" smtClean="0"/>
+              <a:t>년 받아옴</a:t>
+            </a:r>
+            <a:endParaRPr lang="ko-KR" altLang="en-US" dirty="0"/>
+          </a:p>
+        </p:txBody>
+      </p:sp>
     </p:spTree>
     <p:extLst>
       <p:ext uri="{BB962C8B-B14F-4D97-AF65-F5344CB8AC3E}">
@@ -4059,8 +4215,8 @@
         </p:nvSpPr>
         <p:spPr>
           <a:xfrm>
-            <a:off x="8686800" y="4251158"/>
-            <a:ext cx="3280611" cy="369332"/>
+            <a:off x="8686800" y="4612833"/>
+            <a:ext cx="3280611" cy="646331"/>
           </a:xfrm>
           <a:prstGeom prst="rect">
             <a:avLst/>
@@ -4092,6 +4248,296 @@
             <a:r>
               <a:rPr lang="ko-KR" altLang="en-US" dirty="0" smtClean="0"/>
               <a:t> 분리</a:t>
+            </a:r>
+            <a:endParaRPr lang="en-US" altLang="ko-KR" dirty="0" smtClean="0"/>
+          </a:p>
+          <a:p>
+            <a:r>
+              <a:rPr lang="en-US" altLang="ko-KR" dirty="0" smtClean="0"/>
+              <a:t>80% ,20% </a:t>
+            </a:r>
+            <a:r>
+              <a:rPr lang="ko-KR" altLang="en-US" dirty="0" smtClean="0"/>
+              <a:t>비율 분리</a:t>
+            </a:r>
+            <a:endParaRPr lang="ko-KR" altLang="en-US" dirty="0"/>
+          </a:p>
+        </p:txBody>
+      </p:sp>
+      <p:sp>
+        <p:nvSpPr>
+          <p:cNvPr id="5" name="TextBox 1"/>
+          <p:cNvSpPr txBox="1"/>
+          <p:nvPr/>
+        </p:nvSpPr>
+        <p:spPr>
+          <a:xfrm>
+            <a:off x="8686799" y="1704292"/>
+            <a:ext cx="3280611" cy="646331"/>
+          </a:xfrm>
+          <a:prstGeom prst="rect">
+            <a:avLst/>
+          </a:prstGeom>
+          <a:noFill/>
+        </p:spPr>
+        <p:txBody>
+          <a:bodyPr wrap="square" rtlCol="0">
+            <a:spAutoFit/>
+          </a:bodyPr>
+          <a:lstStyle>
+            <a:defPPr>
+              <a:defRPr lang="ko-KR"/>
+            </a:defPPr>
+            <a:lvl1pPr marL="0" algn="l" defTabSz="914400" rtl="0" eaLnBrk="1" latinLnBrk="1" hangingPunct="1">
+              <a:defRPr sz="1800" kern="1200">
+                <a:solidFill>
+                  <a:schemeClr val="tx1"/>
+                </a:solidFill>
+                <a:latin typeface="+mn-lt"/>
+                <a:ea typeface="+mn-ea"/>
+                <a:cs typeface="+mn-cs"/>
+              </a:defRPr>
+            </a:lvl1pPr>
+            <a:lvl2pPr marL="457200" algn="l" defTabSz="914400" rtl="0" eaLnBrk="1" latinLnBrk="1" hangingPunct="1">
+              <a:defRPr sz="1800" kern="1200">
+                <a:solidFill>
+                  <a:schemeClr val="tx1"/>
+                </a:solidFill>
+                <a:latin typeface="+mn-lt"/>
+                <a:ea typeface="+mn-ea"/>
+                <a:cs typeface="+mn-cs"/>
+              </a:defRPr>
+            </a:lvl2pPr>
+            <a:lvl3pPr marL="914400" algn="l" defTabSz="914400" rtl="0" eaLnBrk="1" latinLnBrk="1" hangingPunct="1">
+              <a:defRPr sz="1800" kern="1200">
+                <a:solidFill>
+                  <a:schemeClr val="tx1"/>
+                </a:solidFill>
+                <a:latin typeface="+mn-lt"/>
+                <a:ea typeface="+mn-ea"/>
+                <a:cs typeface="+mn-cs"/>
+              </a:defRPr>
+            </a:lvl3pPr>
+            <a:lvl4pPr marL="1371600" algn="l" defTabSz="914400" rtl="0" eaLnBrk="1" latinLnBrk="1" hangingPunct="1">
+              <a:defRPr sz="1800" kern="1200">
+                <a:solidFill>
+                  <a:schemeClr val="tx1"/>
+                </a:solidFill>
+                <a:latin typeface="+mn-lt"/>
+                <a:ea typeface="+mn-ea"/>
+                <a:cs typeface="+mn-cs"/>
+              </a:defRPr>
+            </a:lvl4pPr>
+            <a:lvl5pPr marL="1828800" algn="l" defTabSz="914400" rtl="0" eaLnBrk="1" latinLnBrk="1" hangingPunct="1">
+              <a:defRPr sz="1800" kern="1200">
+                <a:solidFill>
+                  <a:schemeClr val="tx1"/>
+                </a:solidFill>
+                <a:latin typeface="+mn-lt"/>
+                <a:ea typeface="+mn-ea"/>
+                <a:cs typeface="+mn-cs"/>
+              </a:defRPr>
+            </a:lvl5pPr>
+            <a:lvl6pPr marL="2286000" algn="l" defTabSz="914400" rtl="0" eaLnBrk="1" latinLnBrk="1" hangingPunct="1">
+              <a:defRPr sz="1800" kern="1200">
+                <a:solidFill>
+                  <a:schemeClr val="tx1"/>
+                </a:solidFill>
+                <a:latin typeface="+mn-lt"/>
+                <a:ea typeface="+mn-ea"/>
+                <a:cs typeface="+mn-cs"/>
+              </a:defRPr>
+            </a:lvl6pPr>
+            <a:lvl7pPr marL="2743200" algn="l" defTabSz="914400" rtl="0" eaLnBrk="1" latinLnBrk="1" hangingPunct="1">
+              <a:defRPr sz="1800" kern="1200">
+                <a:solidFill>
+                  <a:schemeClr val="tx1"/>
+                </a:solidFill>
+                <a:latin typeface="+mn-lt"/>
+                <a:ea typeface="+mn-ea"/>
+                <a:cs typeface="+mn-cs"/>
+              </a:defRPr>
+            </a:lvl7pPr>
+            <a:lvl8pPr marL="3200400" algn="l" defTabSz="914400" rtl="0" eaLnBrk="1" latinLnBrk="1" hangingPunct="1">
+              <a:defRPr sz="1800" kern="1200">
+                <a:solidFill>
+                  <a:schemeClr val="tx1"/>
+                </a:solidFill>
+                <a:latin typeface="+mn-lt"/>
+                <a:ea typeface="+mn-ea"/>
+                <a:cs typeface="+mn-cs"/>
+              </a:defRPr>
+            </a:lvl8pPr>
+            <a:lvl9pPr marL="3657600" algn="l" defTabSz="914400" rtl="0" eaLnBrk="1" latinLnBrk="1" hangingPunct="1">
+              <a:defRPr sz="1800" kern="1200">
+                <a:solidFill>
+                  <a:schemeClr val="tx1"/>
+                </a:solidFill>
+                <a:latin typeface="+mn-lt"/>
+                <a:ea typeface="+mn-ea"/>
+                <a:cs typeface="+mn-cs"/>
+              </a:defRPr>
+            </a:lvl9pPr>
+          </a:lstStyle>
+          <a:p>
+            <a:r>
+              <a:rPr lang="en-US" altLang="ko-KR" dirty="0" err="1" smtClean="0"/>
+              <a:t>Minmaxscaler</a:t>
+            </a:r>
+            <a:r>
+              <a:rPr lang="ko-KR" altLang="en-US" dirty="0" smtClean="0"/>
+              <a:t>를 이용</a:t>
+            </a:r>
+            <a:endParaRPr lang="en-US" altLang="ko-KR" dirty="0" smtClean="0"/>
+          </a:p>
+          <a:p>
+            <a:r>
+              <a:rPr lang="ko-KR" altLang="en-US" dirty="0" smtClean="0"/>
+              <a:t>주가</a:t>
+            </a:r>
+            <a:r>
+              <a:rPr lang="en-US" altLang="ko-KR" dirty="0" smtClean="0"/>
+              <a:t>,</a:t>
+            </a:r>
+            <a:r>
+              <a:rPr lang="ko-KR" altLang="en-US" dirty="0" smtClean="0"/>
+              <a:t>지수를 </a:t>
+            </a:r>
+            <a:r>
+              <a:rPr lang="en-US" altLang="ko-KR" dirty="0" smtClean="0"/>
+              <a:t>0~1</a:t>
+            </a:r>
+            <a:r>
+              <a:rPr lang="ko-KR" altLang="en-US" dirty="0" smtClean="0"/>
+              <a:t>로 변환</a:t>
+            </a:r>
+            <a:endParaRPr lang="ko-KR" altLang="en-US" dirty="0"/>
+          </a:p>
+        </p:txBody>
+      </p:sp>
+      <p:sp>
+        <p:nvSpPr>
+          <p:cNvPr id="7" name="TextBox 1"/>
+          <p:cNvSpPr txBox="1"/>
+          <p:nvPr/>
+        </p:nvSpPr>
+        <p:spPr>
+          <a:xfrm>
+            <a:off x="8686799" y="3549135"/>
+            <a:ext cx="3280611" cy="369332"/>
+          </a:xfrm>
+          <a:prstGeom prst="rect">
+            <a:avLst/>
+          </a:prstGeom>
+          <a:noFill/>
+        </p:spPr>
+        <p:txBody>
+          <a:bodyPr wrap="square" rtlCol="0">
+            <a:spAutoFit/>
+          </a:bodyPr>
+          <a:lstStyle>
+            <a:defPPr>
+              <a:defRPr lang="ko-KR"/>
+            </a:defPPr>
+            <a:lvl1pPr marL="0" algn="l" defTabSz="914400" rtl="0" eaLnBrk="1" latinLnBrk="1" hangingPunct="1">
+              <a:defRPr sz="1800" kern="1200">
+                <a:solidFill>
+                  <a:schemeClr val="tx1"/>
+                </a:solidFill>
+                <a:latin typeface="+mn-lt"/>
+                <a:ea typeface="+mn-ea"/>
+                <a:cs typeface="+mn-cs"/>
+              </a:defRPr>
+            </a:lvl1pPr>
+            <a:lvl2pPr marL="457200" algn="l" defTabSz="914400" rtl="0" eaLnBrk="1" latinLnBrk="1" hangingPunct="1">
+              <a:defRPr sz="1800" kern="1200">
+                <a:solidFill>
+                  <a:schemeClr val="tx1"/>
+                </a:solidFill>
+                <a:latin typeface="+mn-lt"/>
+                <a:ea typeface="+mn-ea"/>
+                <a:cs typeface="+mn-cs"/>
+              </a:defRPr>
+            </a:lvl2pPr>
+            <a:lvl3pPr marL="914400" algn="l" defTabSz="914400" rtl="0" eaLnBrk="1" latinLnBrk="1" hangingPunct="1">
+              <a:defRPr sz="1800" kern="1200">
+                <a:solidFill>
+                  <a:schemeClr val="tx1"/>
+                </a:solidFill>
+                <a:latin typeface="+mn-lt"/>
+                <a:ea typeface="+mn-ea"/>
+                <a:cs typeface="+mn-cs"/>
+              </a:defRPr>
+            </a:lvl3pPr>
+            <a:lvl4pPr marL="1371600" algn="l" defTabSz="914400" rtl="0" eaLnBrk="1" latinLnBrk="1" hangingPunct="1">
+              <a:defRPr sz="1800" kern="1200">
+                <a:solidFill>
+                  <a:schemeClr val="tx1"/>
+                </a:solidFill>
+                <a:latin typeface="+mn-lt"/>
+                <a:ea typeface="+mn-ea"/>
+                <a:cs typeface="+mn-cs"/>
+              </a:defRPr>
+            </a:lvl4pPr>
+            <a:lvl5pPr marL="1828800" algn="l" defTabSz="914400" rtl="0" eaLnBrk="1" latinLnBrk="1" hangingPunct="1">
+              <a:defRPr sz="1800" kern="1200">
+                <a:solidFill>
+                  <a:schemeClr val="tx1"/>
+                </a:solidFill>
+                <a:latin typeface="+mn-lt"/>
+                <a:ea typeface="+mn-ea"/>
+                <a:cs typeface="+mn-cs"/>
+              </a:defRPr>
+            </a:lvl5pPr>
+            <a:lvl6pPr marL="2286000" algn="l" defTabSz="914400" rtl="0" eaLnBrk="1" latinLnBrk="1" hangingPunct="1">
+              <a:defRPr sz="1800" kern="1200">
+                <a:solidFill>
+                  <a:schemeClr val="tx1"/>
+                </a:solidFill>
+                <a:latin typeface="+mn-lt"/>
+                <a:ea typeface="+mn-ea"/>
+                <a:cs typeface="+mn-cs"/>
+              </a:defRPr>
+            </a:lvl6pPr>
+            <a:lvl7pPr marL="2743200" algn="l" defTabSz="914400" rtl="0" eaLnBrk="1" latinLnBrk="1" hangingPunct="1">
+              <a:defRPr sz="1800" kern="1200">
+                <a:solidFill>
+                  <a:schemeClr val="tx1"/>
+                </a:solidFill>
+                <a:latin typeface="+mn-lt"/>
+                <a:ea typeface="+mn-ea"/>
+                <a:cs typeface="+mn-cs"/>
+              </a:defRPr>
+            </a:lvl7pPr>
+            <a:lvl8pPr marL="3200400" algn="l" defTabSz="914400" rtl="0" eaLnBrk="1" latinLnBrk="1" hangingPunct="1">
+              <a:defRPr sz="1800" kern="1200">
+                <a:solidFill>
+                  <a:schemeClr val="tx1"/>
+                </a:solidFill>
+                <a:latin typeface="+mn-lt"/>
+                <a:ea typeface="+mn-ea"/>
+                <a:cs typeface="+mn-cs"/>
+              </a:defRPr>
+            </a:lvl8pPr>
+            <a:lvl9pPr marL="3657600" algn="l" defTabSz="914400" rtl="0" eaLnBrk="1" latinLnBrk="1" hangingPunct="1">
+              <a:defRPr sz="1800" kern="1200">
+                <a:solidFill>
+                  <a:schemeClr val="tx1"/>
+                </a:solidFill>
+                <a:latin typeface="+mn-lt"/>
+                <a:ea typeface="+mn-ea"/>
+                <a:cs typeface="+mn-cs"/>
+              </a:defRPr>
+            </a:lvl9pPr>
+          </a:lstStyle>
+          <a:p>
+            <a:r>
+              <a:rPr lang="en-US" altLang="ko-KR" dirty="0" smtClean="0"/>
+              <a:t>pandas</a:t>
+            </a:r>
+            <a:r>
+              <a:rPr lang="ko-KR" altLang="en-US" dirty="0" smtClean="0"/>
+              <a:t> 이용 데이터프레임</a:t>
             </a:r>
             <a:endParaRPr lang="ko-KR" altLang="en-US" dirty="0"/>
           </a:p>
@@ -4220,7 +4666,7 @@
         </p:nvSpPr>
         <p:spPr>
           <a:xfrm>
-            <a:off x="6986337" y="1860884"/>
+            <a:off x="6922169" y="2927684"/>
             <a:ext cx="4668252" cy="923330"/>
           </a:xfrm>
           <a:prstGeom prst="rect">
@@ -4264,6 +4710,47 @@
               <a:rPr lang="ko-KR" altLang="en-US" dirty="0" smtClean="0"/>
               <a:t>학습에 적절한 크기 </a:t>
             </a:r>
+            <a:endParaRPr lang="en-US" altLang="ko-KR" dirty="0" smtClean="0"/>
+          </a:p>
+        </p:txBody>
+      </p:sp>
+      <p:sp>
+        <p:nvSpPr>
+          <p:cNvPr id="5" name="TextBox 4"/>
+          <p:cNvSpPr txBox="1"/>
+          <p:nvPr/>
+        </p:nvSpPr>
+        <p:spPr>
+          <a:xfrm>
+            <a:off x="6986337" y="1347537"/>
+            <a:ext cx="4668252" cy="646331"/>
+          </a:xfrm>
+          <a:prstGeom prst="rect">
+            <a:avLst/>
+          </a:prstGeom>
+          <a:noFill/>
+        </p:spPr>
+        <p:txBody>
+          <a:bodyPr wrap="square" rtlCol="0">
+            <a:spAutoFit/>
+          </a:bodyPr>
+          <a:lstStyle/>
+          <a:p>
+            <a:r>
+              <a:rPr lang="en-US" altLang="ko-KR" dirty="0" err="1" smtClean="0"/>
+              <a:t>Window_dataset</a:t>
+            </a:r>
+            <a:r>
+              <a:rPr lang="en-US" altLang="ko-KR" dirty="0" smtClean="0"/>
+              <a:t> </a:t>
+            </a:r>
+            <a:r>
+              <a:rPr lang="ko-KR" altLang="en-US" dirty="0" smtClean="0"/>
+              <a:t>함수 설정</a:t>
+            </a:r>
+            <a:endParaRPr lang="en-US" altLang="ko-KR" dirty="0" smtClean="0"/>
+          </a:p>
+          <a:p>
             <a:endParaRPr lang="en-US" altLang="ko-KR" dirty="0" smtClean="0"/>
           </a:p>
         </p:txBody>
